--- a/presentations/session_1/Embedded Track #1.pptx
+++ b/presentations/session_1/Embedded Track #1.pptx
@@ -10,13 +10,25 @@
     <p:sldId id="260" r:id="rId4"/>
     <p:sldId id="258" r:id="rId5"/>
     <p:sldId id="259" r:id="rId6"/>
-    <p:sldId id="261" r:id="rId7"/>
-    <p:sldId id="262" r:id="rId8"/>
-    <p:sldId id="263" r:id="rId9"/>
-    <p:sldId id="264" r:id="rId10"/>
-    <p:sldId id="265" r:id="rId11"/>
-    <p:sldId id="266" r:id="rId12"/>
-    <p:sldId id="267" r:id="rId13"/>
+    <p:sldId id="268" r:id="rId7"/>
+    <p:sldId id="269" r:id="rId8"/>
+    <p:sldId id="270" r:id="rId9"/>
+    <p:sldId id="271" r:id="rId10"/>
+    <p:sldId id="272" r:id="rId11"/>
+    <p:sldId id="273" r:id="rId12"/>
+    <p:sldId id="274" r:id="rId13"/>
+    <p:sldId id="261" r:id="rId14"/>
+    <p:sldId id="262" r:id="rId15"/>
+    <p:sldId id="275" r:id="rId16"/>
+    <p:sldId id="276" r:id="rId17"/>
+    <p:sldId id="277" r:id="rId18"/>
+    <p:sldId id="280" r:id="rId19"/>
+    <p:sldId id="263" r:id="rId20"/>
+    <p:sldId id="264" r:id="rId21"/>
+    <p:sldId id="265" r:id="rId22"/>
+    <p:sldId id="266" r:id="rId23"/>
+    <p:sldId id="278" r:id="rId24"/>
+    <p:sldId id="279" r:id="rId25"/>
   </p:sldIdLst>
   <p:sldSz cx="12192000" cy="6858000"/>
   <p:notesSz cx="6858000" cy="9144000"/>
@@ -115,6 +127,11 @@
       </a:defRPr>
     </a:lvl9pPr>
   </p:defaultTextStyle>
+  <p:extLst>
+    <p:ext uri="{EFAFB233-063F-42B5-8137-9DF3F51BA10A}">
+      <p15:sldGuideLst xmlns:p15="http://schemas.microsoft.com/office/powerpoint/2012/main"/>
+    </p:ext>
+  </p:extLst>
 </p:presentation>
 </file>
 
@@ -269,7 +286,7 @@
           <a:p>
             <a:fld id="{5676FF3A-9FFC-4CB7-AB87-E8A216B43361}" type="datetimeFigureOut">
               <a:rPr lang="en-US" smtClean="0"/>
-              <a:t>1/29/2018</a:t>
+              <a:t>2/4/2018</a:t>
             </a:fld>
             <a:endParaRPr lang="en-US"/>
           </a:p>
@@ -467,7 +484,7 @@
           <a:p>
             <a:fld id="{5676FF3A-9FFC-4CB7-AB87-E8A216B43361}" type="datetimeFigureOut">
               <a:rPr lang="en-US" smtClean="0"/>
-              <a:t>1/29/2018</a:t>
+              <a:t>2/4/2018</a:t>
             </a:fld>
             <a:endParaRPr lang="en-US"/>
           </a:p>
@@ -675,7 +692,7 @@
           <a:p>
             <a:fld id="{5676FF3A-9FFC-4CB7-AB87-E8A216B43361}" type="datetimeFigureOut">
               <a:rPr lang="en-US" smtClean="0"/>
-              <a:t>1/29/2018</a:t>
+              <a:t>2/4/2018</a:t>
             </a:fld>
             <a:endParaRPr lang="en-US"/>
           </a:p>
@@ -873,7 +890,7 @@
           <a:p>
             <a:fld id="{5676FF3A-9FFC-4CB7-AB87-E8A216B43361}" type="datetimeFigureOut">
               <a:rPr lang="en-US" smtClean="0"/>
-              <a:t>1/29/2018</a:t>
+              <a:t>2/4/2018</a:t>
             </a:fld>
             <a:endParaRPr lang="en-US"/>
           </a:p>
@@ -1148,7 +1165,7 @@
           <a:p>
             <a:fld id="{5676FF3A-9FFC-4CB7-AB87-E8A216B43361}" type="datetimeFigureOut">
               <a:rPr lang="en-US" smtClean="0"/>
-              <a:t>1/29/2018</a:t>
+              <a:t>2/4/2018</a:t>
             </a:fld>
             <a:endParaRPr lang="en-US"/>
           </a:p>
@@ -1413,7 +1430,7 @@
           <a:p>
             <a:fld id="{5676FF3A-9FFC-4CB7-AB87-E8A216B43361}" type="datetimeFigureOut">
               <a:rPr lang="en-US" smtClean="0"/>
-              <a:t>1/29/2018</a:t>
+              <a:t>2/4/2018</a:t>
             </a:fld>
             <a:endParaRPr lang="en-US"/>
           </a:p>
@@ -1825,7 +1842,7 @@
           <a:p>
             <a:fld id="{5676FF3A-9FFC-4CB7-AB87-E8A216B43361}" type="datetimeFigureOut">
               <a:rPr lang="en-US" smtClean="0"/>
-              <a:t>1/29/2018</a:t>
+              <a:t>2/4/2018</a:t>
             </a:fld>
             <a:endParaRPr lang="en-US"/>
           </a:p>
@@ -1966,7 +1983,7 @@
           <a:p>
             <a:fld id="{5676FF3A-9FFC-4CB7-AB87-E8A216B43361}" type="datetimeFigureOut">
               <a:rPr lang="en-US" smtClean="0"/>
-              <a:t>1/29/2018</a:t>
+              <a:t>2/4/2018</a:t>
             </a:fld>
             <a:endParaRPr lang="en-US"/>
           </a:p>
@@ -2079,7 +2096,7 @@
           <a:p>
             <a:fld id="{5676FF3A-9FFC-4CB7-AB87-E8A216B43361}" type="datetimeFigureOut">
               <a:rPr lang="en-US" smtClean="0"/>
-              <a:t>1/29/2018</a:t>
+              <a:t>2/4/2018</a:t>
             </a:fld>
             <a:endParaRPr lang="en-US"/>
           </a:p>
@@ -2390,7 +2407,7 @@
           <a:p>
             <a:fld id="{5676FF3A-9FFC-4CB7-AB87-E8A216B43361}" type="datetimeFigureOut">
               <a:rPr lang="en-US" smtClean="0"/>
-              <a:t>1/29/2018</a:t>
+              <a:t>2/4/2018</a:t>
             </a:fld>
             <a:endParaRPr lang="en-US"/>
           </a:p>
@@ -2678,7 +2695,7 @@
           <a:p>
             <a:fld id="{5676FF3A-9FFC-4CB7-AB87-E8A216B43361}" type="datetimeFigureOut">
               <a:rPr lang="en-US" smtClean="0"/>
-              <a:t>1/29/2018</a:t>
+              <a:t>2/4/2018</a:t>
             </a:fld>
             <a:endParaRPr lang="en-US"/>
           </a:p>
@@ -2919,7 +2936,7 @@
           <a:p>
             <a:fld id="{5676FF3A-9FFC-4CB7-AB87-E8A216B43361}" type="datetimeFigureOut">
               <a:rPr lang="en-US" smtClean="0"/>
-              <a:t>1/29/2018</a:t>
+              <a:t>2/4/2018</a:t>
             </a:fld>
             <a:endParaRPr lang="en-US"/>
           </a:p>
@@ -3429,6 +3446,1823 @@
           <p:cNvPr id="2" name="Title 1">
             <a:extLst>
               <a:ext uri="{FF2B5EF4-FFF2-40B4-BE49-F238E27FC236}">
+                <a16:creationId xmlns:a16="http://schemas.microsoft.com/office/drawing/2014/main" id="{CAC0A953-13AC-4464-B03F-4E309124435C}"/>
+              </a:ext>
+            </a:extLst>
+          </p:cNvPr>
+          <p:cNvSpPr>
+            <a:spLocks noGrp="1"/>
+          </p:cNvSpPr>
+          <p:nvPr>
+            <p:ph type="title"/>
+          </p:nvPr>
+        </p:nvSpPr>
+        <p:spPr/>
+        <p:txBody>
+          <a:bodyPr/>
+          <a:lstStyle/>
+          <a:p>
+            <a:r>
+              <a:rPr lang="en-US" dirty="0"/>
+              <a:t>Use DIN Rails to add components</a:t>
+            </a:r>
+          </a:p>
+        </p:txBody>
+      </p:sp>
+      <p:pic>
+        <p:nvPicPr>
+          <p:cNvPr id="5" name="Picture 4">
+            <a:extLst>
+              <a:ext uri="{FF2B5EF4-FFF2-40B4-BE49-F238E27FC236}">
+                <a16:creationId xmlns:a16="http://schemas.microsoft.com/office/drawing/2014/main" id="{280A96F4-9141-4F3B-9A41-65EB08D8545E}"/>
+              </a:ext>
+            </a:extLst>
+          </p:cNvPr>
+          <p:cNvPicPr>
+            <a:picLocks noChangeAspect="1"/>
+          </p:cNvPicPr>
+          <p:nvPr/>
+        </p:nvPicPr>
+        <p:blipFill>
+          <a:blip r:embed="rId2">
+            <a:extLst>
+              <a:ext uri="{28A0092B-C50C-407E-A947-70E740481C1C}">
+                <a14:useLocalDpi xmlns:a14="http://schemas.microsoft.com/office/drawing/2010/main" val="0"/>
+              </a:ext>
+            </a:extLst>
+          </a:blip>
+          <a:stretch>
+            <a:fillRect/>
+          </a:stretch>
+        </p:blipFill>
+        <p:spPr>
+          <a:xfrm>
+            <a:off x="838200" y="1381328"/>
+            <a:ext cx="3056108" cy="4757940"/>
+          </a:xfrm>
+          <a:prstGeom prst="rect">
+            <a:avLst/>
+          </a:prstGeom>
+        </p:spPr>
+      </p:pic>
+      <p:pic>
+        <p:nvPicPr>
+          <p:cNvPr id="7" name="Picture 6">
+            <a:extLst>
+              <a:ext uri="{FF2B5EF4-FFF2-40B4-BE49-F238E27FC236}">
+                <a16:creationId xmlns:a16="http://schemas.microsoft.com/office/drawing/2014/main" id="{638D7D18-8306-4ED7-840F-7FE09CB407E8}"/>
+              </a:ext>
+            </a:extLst>
+          </p:cNvPr>
+          <p:cNvPicPr>
+            <a:picLocks noChangeAspect="1"/>
+          </p:cNvPicPr>
+          <p:nvPr/>
+        </p:nvPicPr>
+        <p:blipFill>
+          <a:blip r:embed="rId3">
+            <a:extLst>
+              <a:ext uri="{28A0092B-C50C-407E-A947-70E740481C1C}">
+                <a14:useLocalDpi xmlns:a14="http://schemas.microsoft.com/office/drawing/2010/main" val="0"/>
+              </a:ext>
+            </a:extLst>
+          </a:blip>
+          <a:stretch>
+            <a:fillRect/>
+          </a:stretch>
+        </p:blipFill>
+        <p:spPr>
+          <a:xfrm>
+            <a:off x="8461241" y="1381328"/>
+            <a:ext cx="3328683" cy="4445585"/>
+          </a:xfrm>
+          <a:prstGeom prst="rect">
+            <a:avLst/>
+          </a:prstGeom>
+        </p:spPr>
+      </p:pic>
+      <p:sp>
+        <p:nvSpPr>
+          <p:cNvPr id="8" name="TextBox 7">
+            <a:extLst>
+              <a:ext uri="{FF2B5EF4-FFF2-40B4-BE49-F238E27FC236}">
+                <a16:creationId xmlns:a16="http://schemas.microsoft.com/office/drawing/2014/main" id="{8CB72BC0-3F15-4117-A1BD-8C30BAE56B27}"/>
+              </a:ext>
+            </a:extLst>
+          </p:cNvPr>
+          <p:cNvSpPr txBox="1"/>
+          <p:nvPr/>
+        </p:nvSpPr>
+        <p:spPr>
+          <a:xfrm>
+            <a:off x="4134255" y="1780162"/>
+            <a:ext cx="1059585" cy="646331"/>
+          </a:xfrm>
+          <a:prstGeom prst="rect">
+            <a:avLst/>
+          </a:prstGeom>
+          <a:noFill/>
+        </p:spPr>
+        <p:txBody>
+          <a:bodyPr wrap="none" rtlCol="0">
+            <a:spAutoFit/>
+          </a:bodyPr>
+          <a:lstStyle/>
+          <a:p>
+            <a:r>
+              <a:rPr lang="en-US" dirty="0"/>
+              <a:t>IOT Edge </a:t>
+            </a:r>
+          </a:p>
+          <a:p>
+            <a:r>
+              <a:rPr lang="en-US" dirty="0"/>
+              <a:t>Device</a:t>
+            </a:r>
+          </a:p>
+        </p:txBody>
+      </p:sp>
+      <p:sp>
+        <p:nvSpPr>
+          <p:cNvPr id="9" name="TextBox 8">
+            <a:extLst>
+              <a:ext uri="{FF2B5EF4-FFF2-40B4-BE49-F238E27FC236}">
+                <a16:creationId xmlns:a16="http://schemas.microsoft.com/office/drawing/2014/main" id="{CA7455CE-36A8-481E-8043-E63EBE996DD0}"/>
+              </a:ext>
+            </a:extLst>
+          </p:cNvPr>
+          <p:cNvSpPr txBox="1"/>
+          <p:nvPr/>
+        </p:nvSpPr>
+        <p:spPr>
+          <a:xfrm>
+            <a:off x="6357481" y="2312447"/>
+            <a:ext cx="1992533" cy="2031325"/>
+          </a:xfrm>
+          <a:prstGeom prst="rect">
+            <a:avLst/>
+          </a:prstGeom>
+          <a:noFill/>
+        </p:spPr>
+        <p:txBody>
+          <a:bodyPr wrap="none" rtlCol="0">
+            <a:spAutoFit/>
+          </a:bodyPr>
+          <a:lstStyle/>
+          <a:p>
+            <a:r>
+              <a:rPr lang="en-US" dirty="0"/>
+              <a:t>Field </a:t>
+            </a:r>
+          </a:p>
+          <a:p>
+            <a:r>
+              <a:rPr lang="en-US" dirty="0"/>
+              <a:t>Remote </a:t>
+            </a:r>
+          </a:p>
+          <a:p>
+            <a:r>
+              <a:rPr lang="en-US" dirty="0"/>
+              <a:t>Unit</a:t>
+            </a:r>
+          </a:p>
+          <a:p>
+            <a:endParaRPr lang="en-US" dirty="0"/>
+          </a:p>
+          <a:p>
+            <a:r>
+              <a:rPr lang="en-US" dirty="0"/>
+              <a:t>Wiring will</a:t>
+            </a:r>
+          </a:p>
+          <a:p>
+            <a:r>
+              <a:rPr lang="en-US" dirty="0"/>
+              <a:t>Be improved</a:t>
+            </a:r>
+          </a:p>
+          <a:p>
+            <a:r>
+              <a:rPr lang="en-US" dirty="0"/>
+              <a:t>On next generation</a:t>
+            </a:r>
+          </a:p>
+        </p:txBody>
+      </p:sp>
+    </p:spTree>
+    <p:extLst>
+      <p:ext uri="{BB962C8B-B14F-4D97-AF65-F5344CB8AC3E}">
+        <p14:creationId xmlns:p14="http://schemas.microsoft.com/office/powerpoint/2010/main" val="2148314444"/>
+      </p:ext>
+    </p:extLst>
+  </p:cSld>
+  <p:clrMapOvr>
+    <a:masterClrMapping/>
+  </p:clrMapOvr>
+</p:sld>
+</file>
+
+<file path=ppt/slides/slide11.xml><?xml version="1.0" encoding="utf-8"?>
+<p:sld xmlns:a="http://schemas.openxmlformats.org/drawingml/2006/main" xmlns:r="http://schemas.openxmlformats.org/officeDocument/2006/relationships" xmlns:p="http://schemas.openxmlformats.org/presentationml/2006/main">
+  <p:cSld>
+    <p:spTree>
+      <p:nvGrpSpPr>
+        <p:cNvPr id="1" name=""/>
+        <p:cNvGrpSpPr/>
+        <p:nvPr/>
+      </p:nvGrpSpPr>
+      <p:grpSpPr>
+        <a:xfrm>
+          <a:off x="0" y="0"/>
+          <a:ext cx="0" cy="0"/>
+          <a:chOff x="0" y="0"/>
+          <a:chExt cx="0" cy="0"/>
+        </a:xfrm>
+      </p:grpSpPr>
+      <p:sp>
+        <p:nvSpPr>
+          <p:cNvPr id="2" name="Title 1">
+            <a:extLst>
+              <a:ext uri="{FF2B5EF4-FFF2-40B4-BE49-F238E27FC236}">
+                <a16:creationId xmlns:a16="http://schemas.microsoft.com/office/drawing/2014/main" id="{B95B3770-7D91-42BD-ACBF-4D07EDEB6C2C}"/>
+              </a:ext>
+            </a:extLst>
+          </p:cNvPr>
+          <p:cNvSpPr>
+            <a:spLocks noGrp="1"/>
+          </p:cNvSpPr>
+          <p:nvPr>
+            <p:ph type="title"/>
+          </p:nvPr>
+        </p:nvSpPr>
+        <p:spPr/>
+        <p:txBody>
+          <a:bodyPr/>
+          <a:lstStyle/>
+          <a:p>
+            <a:r>
+              <a:rPr lang="en-US" dirty="0"/>
+              <a:t>Field Remote unit deployed</a:t>
+            </a:r>
+          </a:p>
+        </p:txBody>
+      </p:sp>
+      <p:pic>
+        <p:nvPicPr>
+          <p:cNvPr id="5" name="Picture 4">
+            <a:extLst>
+              <a:ext uri="{FF2B5EF4-FFF2-40B4-BE49-F238E27FC236}">
+                <a16:creationId xmlns:a16="http://schemas.microsoft.com/office/drawing/2014/main" id="{61E1CADF-5C67-4D41-BDF6-8786710388D8}"/>
+              </a:ext>
+            </a:extLst>
+          </p:cNvPr>
+          <p:cNvPicPr>
+            <a:picLocks noChangeAspect="1"/>
+          </p:cNvPicPr>
+          <p:nvPr/>
+        </p:nvPicPr>
+        <p:blipFill>
+          <a:blip r:embed="rId2">
+            <a:extLst>
+              <a:ext uri="{28A0092B-C50C-407E-A947-70E740481C1C}">
+                <a14:useLocalDpi xmlns:a14="http://schemas.microsoft.com/office/drawing/2010/main" val="0"/>
+              </a:ext>
+            </a:extLst>
+          </a:blip>
+          <a:stretch>
+            <a:fillRect/>
+          </a:stretch>
+        </p:blipFill>
+        <p:spPr>
+          <a:xfrm>
+            <a:off x="1280100" y="2082278"/>
+            <a:ext cx="2572054" cy="3836899"/>
+          </a:xfrm>
+          <a:prstGeom prst="rect">
+            <a:avLst/>
+          </a:prstGeom>
+        </p:spPr>
+      </p:pic>
+      <p:pic>
+        <p:nvPicPr>
+          <p:cNvPr id="7" name="Picture 6">
+            <a:extLst>
+              <a:ext uri="{FF2B5EF4-FFF2-40B4-BE49-F238E27FC236}">
+                <a16:creationId xmlns:a16="http://schemas.microsoft.com/office/drawing/2014/main" id="{363B3CAD-2019-4263-B8B3-3A338426DE58}"/>
+              </a:ext>
+            </a:extLst>
+          </p:cNvPr>
+          <p:cNvPicPr>
+            <a:picLocks noChangeAspect="1"/>
+          </p:cNvPicPr>
+          <p:nvPr/>
+        </p:nvPicPr>
+        <p:blipFill>
+          <a:blip r:embed="rId3">
+            <a:extLst>
+              <a:ext uri="{28A0092B-C50C-407E-A947-70E740481C1C}">
+                <a14:useLocalDpi xmlns:a14="http://schemas.microsoft.com/office/drawing/2010/main" val="0"/>
+              </a:ext>
+            </a:extLst>
+          </a:blip>
+          <a:stretch>
+            <a:fillRect/>
+          </a:stretch>
+        </p:blipFill>
+        <p:spPr>
+          <a:xfrm>
+            <a:off x="8218859" y="2323898"/>
+            <a:ext cx="2831762" cy="2922017"/>
+          </a:xfrm>
+          <a:prstGeom prst="rect">
+            <a:avLst/>
+          </a:prstGeom>
+        </p:spPr>
+      </p:pic>
+      <p:sp>
+        <p:nvSpPr>
+          <p:cNvPr id="8" name="TextBox 7">
+            <a:extLst>
+              <a:ext uri="{FF2B5EF4-FFF2-40B4-BE49-F238E27FC236}">
+                <a16:creationId xmlns:a16="http://schemas.microsoft.com/office/drawing/2014/main" id="{A464C6F9-28C0-4472-AF92-70EA20535D88}"/>
+              </a:ext>
+            </a:extLst>
+          </p:cNvPr>
+          <p:cNvSpPr txBox="1"/>
+          <p:nvPr/>
+        </p:nvSpPr>
+        <p:spPr>
+          <a:xfrm>
+            <a:off x="4260715" y="2607013"/>
+            <a:ext cx="1875898" cy="923330"/>
+          </a:xfrm>
+          <a:prstGeom prst="rect">
+            <a:avLst/>
+          </a:prstGeom>
+          <a:noFill/>
+        </p:spPr>
+        <p:txBody>
+          <a:bodyPr wrap="none" rtlCol="0">
+            <a:spAutoFit/>
+          </a:bodyPr>
+          <a:lstStyle/>
+          <a:p>
+            <a:r>
+              <a:rPr lang="en-US" dirty="0"/>
+              <a:t>Picture of Remote</a:t>
+            </a:r>
+          </a:p>
+          <a:p>
+            <a:r>
+              <a:rPr lang="en-US" dirty="0"/>
+              <a:t>Deployed</a:t>
+            </a:r>
+          </a:p>
+          <a:p>
+            <a:r>
+              <a:rPr lang="en-US" dirty="0"/>
+              <a:t>Units</a:t>
+            </a:r>
+          </a:p>
+        </p:txBody>
+      </p:sp>
+      <p:sp>
+        <p:nvSpPr>
+          <p:cNvPr id="9" name="TextBox 8">
+            <a:extLst>
+              <a:ext uri="{FF2B5EF4-FFF2-40B4-BE49-F238E27FC236}">
+                <a16:creationId xmlns:a16="http://schemas.microsoft.com/office/drawing/2014/main" id="{827B7853-F0A6-493D-A380-E95E4DBD5B30}"/>
+              </a:ext>
+            </a:extLst>
+          </p:cNvPr>
+          <p:cNvSpPr txBox="1"/>
+          <p:nvPr/>
+        </p:nvSpPr>
+        <p:spPr>
+          <a:xfrm>
+            <a:off x="6613744" y="3068678"/>
+            <a:ext cx="1440266" cy="2031325"/>
+          </a:xfrm>
+          <a:prstGeom prst="rect">
+            <a:avLst/>
+          </a:prstGeom>
+          <a:noFill/>
+        </p:spPr>
+        <p:txBody>
+          <a:bodyPr wrap="none" rtlCol="0">
+            <a:spAutoFit/>
+          </a:bodyPr>
+          <a:lstStyle/>
+          <a:p>
+            <a:r>
+              <a:rPr lang="en-US" dirty="0"/>
+              <a:t>Sprinkler</a:t>
+            </a:r>
+          </a:p>
+          <a:p>
+            <a:r>
+              <a:rPr lang="en-US" dirty="0"/>
+              <a:t>Wire</a:t>
+            </a:r>
+          </a:p>
+          <a:p>
+            <a:r>
+              <a:rPr lang="en-US" dirty="0"/>
+              <a:t>Provides</a:t>
+            </a:r>
+          </a:p>
+          <a:p>
+            <a:r>
+              <a:rPr lang="en-US" dirty="0"/>
+              <a:t>The power</a:t>
+            </a:r>
+          </a:p>
+          <a:p>
+            <a:r>
+              <a:rPr lang="en-US" dirty="0"/>
+              <a:t>And RS485</a:t>
+            </a:r>
+          </a:p>
+          <a:p>
+            <a:r>
+              <a:rPr lang="en-US" dirty="0"/>
+              <a:t>Links to Units</a:t>
+            </a:r>
+          </a:p>
+          <a:p>
+            <a:endParaRPr lang="en-US" dirty="0"/>
+          </a:p>
+        </p:txBody>
+      </p:sp>
+    </p:spTree>
+    <p:extLst>
+      <p:ext uri="{BB962C8B-B14F-4D97-AF65-F5344CB8AC3E}">
+        <p14:creationId xmlns:p14="http://schemas.microsoft.com/office/powerpoint/2010/main" val="3490861906"/>
+      </p:ext>
+    </p:extLst>
+  </p:cSld>
+  <p:clrMapOvr>
+    <a:masterClrMapping/>
+  </p:clrMapOvr>
+</p:sld>
+</file>
+
+<file path=ppt/slides/slide12.xml><?xml version="1.0" encoding="utf-8"?>
+<p:sld xmlns:a="http://schemas.openxmlformats.org/drawingml/2006/main" xmlns:r="http://schemas.openxmlformats.org/officeDocument/2006/relationships" xmlns:p="http://schemas.openxmlformats.org/presentationml/2006/main">
+  <p:cSld>
+    <p:spTree>
+      <p:nvGrpSpPr>
+        <p:cNvPr id="1" name=""/>
+        <p:cNvGrpSpPr/>
+        <p:nvPr/>
+      </p:nvGrpSpPr>
+      <p:grpSpPr>
+        <a:xfrm>
+          <a:off x="0" y="0"/>
+          <a:ext cx="0" cy="0"/>
+          <a:chOff x="0" y="0"/>
+          <a:chExt cx="0" cy="0"/>
+        </a:xfrm>
+      </p:grpSpPr>
+      <p:sp>
+        <p:nvSpPr>
+          <p:cNvPr id="2" name="Title 1">
+            <a:extLst>
+              <a:ext uri="{FF2B5EF4-FFF2-40B4-BE49-F238E27FC236}">
+                <a16:creationId xmlns:a16="http://schemas.microsoft.com/office/drawing/2014/main" id="{ED68F17F-7615-42C0-88D6-DFC30BCDD4A4}"/>
+              </a:ext>
+            </a:extLst>
+          </p:cNvPr>
+          <p:cNvSpPr>
+            <a:spLocks noGrp="1"/>
+          </p:cNvSpPr>
+          <p:nvPr>
+            <p:ph type="title"/>
+          </p:nvPr>
+        </p:nvSpPr>
+        <p:spPr/>
+        <p:txBody>
+          <a:bodyPr/>
+          <a:lstStyle/>
+          <a:p>
+            <a:r>
+              <a:rPr lang="en-US" dirty="0"/>
+              <a:t>Remote Units serviced several years</a:t>
+            </a:r>
+            <a:br>
+              <a:rPr lang="en-US" dirty="0"/>
+            </a:br>
+            <a:r>
+              <a:rPr lang="en-US" dirty="0"/>
+              <a:t>Including this</a:t>
+            </a:r>
+          </a:p>
+        </p:txBody>
+      </p:sp>
+      <p:pic>
+        <p:nvPicPr>
+          <p:cNvPr id="5" name="Picture 4">
+            <a:extLst>
+              <a:ext uri="{FF2B5EF4-FFF2-40B4-BE49-F238E27FC236}">
+                <a16:creationId xmlns:a16="http://schemas.microsoft.com/office/drawing/2014/main" id="{41B330D6-202F-4F06-AA0B-A6AB9FE4F472}"/>
+              </a:ext>
+            </a:extLst>
+          </p:cNvPr>
+          <p:cNvPicPr>
+            <a:picLocks noChangeAspect="1"/>
+          </p:cNvPicPr>
+          <p:nvPr/>
+        </p:nvPicPr>
+        <p:blipFill>
+          <a:blip r:embed="rId2">
+            <a:extLst>
+              <a:ext uri="{28A0092B-C50C-407E-A947-70E740481C1C}">
+                <a14:useLocalDpi xmlns:a14="http://schemas.microsoft.com/office/drawing/2010/main" val="0"/>
+              </a:ext>
+            </a:extLst>
+          </a:blip>
+          <a:stretch>
+            <a:fillRect/>
+          </a:stretch>
+        </p:blipFill>
+        <p:spPr>
+          <a:xfrm>
+            <a:off x="5381017" y="1449422"/>
+            <a:ext cx="4824919" cy="4824919"/>
+          </a:xfrm>
+          <a:prstGeom prst="rect">
+            <a:avLst/>
+          </a:prstGeom>
+        </p:spPr>
+      </p:pic>
+    </p:spTree>
+    <p:extLst>
+      <p:ext uri="{BB962C8B-B14F-4D97-AF65-F5344CB8AC3E}">
+        <p14:creationId xmlns:p14="http://schemas.microsoft.com/office/powerpoint/2010/main" val="796751314"/>
+      </p:ext>
+    </p:extLst>
+  </p:cSld>
+  <p:clrMapOvr>
+    <a:masterClrMapping/>
+  </p:clrMapOvr>
+</p:sld>
+</file>
+
+<file path=ppt/slides/slide13.xml><?xml version="1.0" encoding="utf-8"?>
+<p:sld xmlns:a="http://schemas.openxmlformats.org/drawingml/2006/main" xmlns:r="http://schemas.openxmlformats.org/officeDocument/2006/relationships" xmlns:p="http://schemas.openxmlformats.org/presentationml/2006/main">
+  <p:cSld>
+    <p:spTree>
+      <p:nvGrpSpPr>
+        <p:cNvPr id="1" name=""/>
+        <p:cNvGrpSpPr/>
+        <p:nvPr/>
+      </p:nvGrpSpPr>
+      <p:grpSpPr>
+        <a:xfrm>
+          <a:off x="0" y="0"/>
+          <a:ext cx="0" cy="0"/>
+          <a:chOff x="0" y="0"/>
+          <a:chExt cx="0" cy="0"/>
+        </a:xfrm>
+      </p:grpSpPr>
+      <p:sp>
+        <p:nvSpPr>
+          <p:cNvPr id="2" name="Title 1">
+            <a:extLst>
+              <a:ext uri="{FF2B5EF4-FFF2-40B4-BE49-F238E27FC236}">
+                <a16:creationId xmlns:a16="http://schemas.microsoft.com/office/drawing/2014/main" id="{14AD15AB-42B8-4C92-9E6D-2D8E1750460A}"/>
+              </a:ext>
+            </a:extLst>
+          </p:cNvPr>
+          <p:cNvSpPr>
+            <a:spLocks noGrp="1"/>
+          </p:cNvSpPr>
+          <p:nvPr>
+            <p:ph type="title"/>
+          </p:nvPr>
+        </p:nvSpPr>
+        <p:spPr/>
+        <p:txBody>
+          <a:bodyPr/>
+          <a:lstStyle/>
+          <a:p>
+            <a:r>
+              <a:rPr lang="en-US" dirty="0"/>
+              <a:t>What about other approaches</a:t>
+            </a:r>
+          </a:p>
+        </p:txBody>
+      </p:sp>
+      <p:sp>
+        <p:nvSpPr>
+          <p:cNvPr id="3" name="Content Placeholder 2">
+            <a:extLst>
+              <a:ext uri="{FF2B5EF4-FFF2-40B4-BE49-F238E27FC236}">
+                <a16:creationId xmlns:a16="http://schemas.microsoft.com/office/drawing/2014/main" id="{1F4AC451-9728-4AF2-88E1-83CF99628A77}"/>
+              </a:ext>
+            </a:extLst>
+          </p:cNvPr>
+          <p:cNvSpPr>
+            <a:spLocks noGrp="1"/>
+          </p:cNvSpPr>
+          <p:nvPr>
+            <p:ph idx="1"/>
+          </p:nvPr>
+        </p:nvSpPr>
+        <p:spPr/>
+        <p:txBody>
+          <a:bodyPr/>
+          <a:lstStyle/>
+          <a:p>
+            <a:r>
+              <a:rPr lang="en-US" dirty="0"/>
+              <a:t>The SCADA approach is effective for switching relays and discrete I/O.</a:t>
+            </a:r>
+          </a:p>
+          <a:p>
+            <a:r>
+              <a:rPr lang="en-US" dirty="0"/>
+              <a:t>SCADA approach has limitations.</a:t>
+            </a:r>
+          </a:p>
+          <a:p>
+            <a:pPr lvl="1"/>
+            <a:r>
+              <a:rPr lang="en-US" dirty="0"/>
+              <a:t>Limited Analog Processing</a:t>
+            </a:r>
+          </a:p>
+          <a:p>
+            <a:pPr lvl="1"/>
+            <a:r>
+              <a:rPr lang="en-US" dirty="0"/>
+              <a:t>Analog Capability is expensive.</a:t>
+            </a:r>
+          </a:p>
+          <a:p>
+            <a:pPr lvl="2"/>
+            <a:r>
+              <a:rPr lang="en-US" dirty="0"/>
+              <a:t>PLC’s go from $80 to $200 range.</a:t>
+            </a:r>
+          </a:p>
+          <a:p>
+            <a:pPr lvl="1"/>
+            <a:r>
+              <a:rPr lang="en-US" dirty="0"/>
+              <a:t>I2C and SPI devices are required.</a:t>
+            </a:r>
+          </a:p>
+          <a:p>
+            <a:r>
+              <a:rPr lang="en-US" dirty="0"/>
+              <a:t>We need to produce modules and wiring solutions which are reproduceable and reasonably cheap.</a:t>
+            </a:r>
+          </a:p>
+          <a:p>
+            <a:pPr marL="0" indent="0">
+              <a:buNone/>
+            </a:pPr>
+            <a:endParaRPr lang="en-US" dirty="0"/>
+          </a:p>
+          <a:p>
+            <a:endParaRPr lang="en-US" dirty="0"/>
+          </a:p>
+          <a:p>
+            <a:pPr marL="914400" lvl="2" indent="0">
+              <a:buNone/>
+            </a:pPr>
+            <a:endParaRPr lang="en-US" dirty="0"/>
+          </a:p>
+        </p:txBody>
+      </p:sp>
+    </p:spTree>
+    <p:extLst>
+      <p:ext uri="{BB962C8B-B14F-4D97-AF65-F5344CB8AC3E}">
+        <p14:creationId xmlns:p14="http://schemas.microsoft.com/office/powerpoint/2010/main" val="1338324095"/>
+      </p:ext>
+    </p:extLst>
+  </p:cSld>
+  <p:clrMapOvr>
+    <a:masterClrMapping/>
+  </p:clrMapOvr>
+</p:sld>
+</file>
+
+<file path=ppt/slides/slide14.xml><?xml version="1.0" encoding="utf-8"?>
+<p:sld xmlns:a="http://schemas.openxmlformats.org/drawingml/2006/main" xmlns:r="http://schemas.openxmlformats.org/officeDocument/2006/relationships" xmlns:p="http://schemas.openxmlformats.org/presentationml/2006/main">
+  <p:cSld>
+    <p:spTree>
+      <p:nvGrpSpPr>
+        <p:cNvPr id="1" name=""/>
+        <p:cNvGrpSpPr/>
+        <p:nvPr/>
+      </p:nvGrpSpPr>
+      <p:grpSpPr>
+        <a:xfrm>
+          <a:off x="0" y="0"/>
+          <a:ext cx="0" cy="0"/>
+          <a:chOff x="0" y="0"/>
+          <a:chExt cx="0" cy="0"/>
+        </a:xfrm>
+      </p:grpSpPr>
+      <p:sp>
+        <p:nvSpPr>
+          <p:cNvPr id="2" name="Title 1">
+            <a:extLst>
+              <a:ext uri="{FF2B5EF4-FFF2-40B4-BE49-F238E27FC236}">
+                <a16:creationId xmlns:a16="http://schemas.microsoft.com/office/drawing/2014/main" id="{81BC5AB3-E5DF-43F2-A4C0-4830DE9E5FAF}"/>
+              </a:ext>
+            </a:extLst>
+          </p:cNvPr>
+          <p:cNvSpPr>
+            <a:spLocks noGrp="1"/>
+          </p:cNvSpPr>
+          <p:nvPr>
+            <p:ph type="title"/>
+          </p:nvPr>
+        </p:nvSpPr>
+        <p:spPr/>
+        <p:txBody>
+          <a:bodyPr/>
+          <a:lstStyle/>
+          <a:p>
+            <a:r>
+              <a:rPr lang="en-US" dirty="0"/>
+              <a:t>Rule #1 3X Markup</a:t>
+            </a:r>
+          </a:p>
+        </p:txBody>
+      </p:sp>
+      <p:sp>
+        <p:nvSpPr>
+          <p:cNvPr id="3" name="Content Placeholder 2">
+            <a:extLst>
+              <a:ext uri="{FF2B5EF4-FFF2-40B4-BE49-F238E27FC236}">
+                <a16:creationId xmlns:a16="http://schemas.microsoft.com/office/drawing/2014/main" id="{B226954A-CC9F-4728-B551-B269B617BCD9}"/>
+              </a:ext>
+            </a:extLst>
+          </p:cNvPr>
+          <p:cNvSpPr>
+            <a:spLocks noGrp="1"/>
+          </p:cNvSpPr>
+          <p:nvPr>
+            <p:ph idx="1"/>
+          </p:nvPr>
+        </p:nvSpPr>
+        <p:spPr/>
+        <p:txBody>
+          <a:bodyPr/>
+          <a:lstStyle/>
+          <a:p>
+            <a:r>
+              <a:rPr lang="en-US" dirty="0"/>
+              <a:t>Do not apply the 3X Markup to hardware items that are purchased.</a:t>
+            </a:r>
+          </a:p>
+          <a:p>
+            <a:pPr lvl="1"/>
+            <a:r>
+              <a:rPr lang="en-US" dirty="0"/>
+              <a:t>Many companies collapsed under that rule.</a:t>
+            </a:r>
+          </a:p>
+          <a:p>
+            <a:r>
+              <a:rPr lang="en-US" dirty="0"/>
+              <a:t>Corollary</a:t>
+            </a:r>
+          </a:p>
+          <a:p>
+            <a:pPr lvl="1"/>
+            <a:r>
+              <a:rPr lang="en-US" dirty="0"/>
+              <a:t>Only develop what is required.</a:t>
+            </a:r>
+          </a:p>
+          <a:p>
+            <a:r>
+              <a:rPr lang="en-US" dirty="0"/>
+              <a:t>Use Bread Board Approach</a:t>
+            </a:r>
+          </a:p>
+        </p:txBody>
+      </p:sp>
+    </p:spTree>
+    <p:extLst>
+      <p:ext uri="{BB962C8B-B14F-4D97-AF65-F5344CB8AC3E}">
+        <p14:creationId xmlns:p14="http://schemas.microsoft.com/office/powerpoint/2010/main" val="968041636"/>
+      </p:ext>
+    </p:extLst>
+  </p:cSld>
+  <p:clrMapOvr>
+    <a:masterClrMapping/>
+  </p:clrMapOvr>
+</p:sld>
+</file>
+
+<file path=ppt/slides/slide15.xml><?xml version="1.0" encoding="utf-8"?>
+<p:sld xmlns:a="http://schemas.openxmlformats.org/drawingml/2006/main" xmlns:r="http://schemas.openxmlformats.org/officeDocument/2006/relationships" xmlns:p="http://schemas.openxmlformats.org/presentationml/2006/main">
+  <p:cSld>
+    <p:spTree>
+      <p:nvGrpSpPr>
+        <p:cNvPr id="1" name=""/>
+        <p:cNvGrpSpPr/>
+        <p:nvPr/>
+      </p:nvGrpSpPr>
+      <p:grpSpPr>
+        <a:xfrm>
+          <a:off x="0" y="0"/>
+          <a:ext cx="0" cy="0"/>
+          <a:chOff x="0" y="0"/>
+          <a:chExt cx="0" cy="0"/>
+        </a:xfrm>
+      </p:grpSpPr>
+      <p:sp>
+        <p:nvSpPr>
+          <p:cNvPr id="2" name="Title 1">
+            <a:extLst>
+              <a:ext uri="{FF2B5EF4-FFF2-40B4-BE49-F238E27FC236}">
+                <a16:creationId xmlns:a16="http://schemas.microsoft.com/office/drawing/2014/main" id="{D3B9AB65-482F-42A6-A9FB-9A13EE89CD80}"/>
+              </a:ext>
+            </a:extLst>
+          </p:cNvPr>
+          <p:cNvSpPr>
+            <a:spLocks noGrp="1"/>
+          </p:cNvSpPr>
+          <p:nvPr>
+            <p:ph type="title"/>
+          </p:nvPr>
+        </p:nvSpPr>
+        <p:spPr/>
+        <p:txBody>
+          <a:bodyPr>
+            <a:normAutofit fontScale="90000"/>
+          </a:bodyPr>
+          <a:lstStyle/>
+          <a:p>
+            <a:r>
+              <a:rPr lang="en-US" dirty="0"/>
+              <a:t>Bread Board Approach</a:t>
+            </a:r>
+            <a:br>
+              <a:rPr lang="en-US" dirty="0"/>
+            </a:br>
+            <a:r>
+              <a:rPr lang="en-US" dirty="0"/>
+              <a:t>First Step:  Prototype on Solderless Prototyping Boards</a:t>
+            </a:r>
+          </a:p>
+        </p:txBody>
+      </p:sp>
+      <p:sp>
+        <p:nvSpPr>
+          <p:cNvPr id="3" name="Content Placeholder 2">
+            <a:extLst>
+              <a:ext uri="{FF2B5EF4-FFF2-40B4-BE49-F238E27FC236}">
+                <a16:creationId xmlns:a16="http://schemas.microsoft.com/office/drawing/2014/main" id="{76633DE5-BCE1-4892-B6B3-B2A9C972A9E3}"/>
+              </a:ext>
+            </a:extLst>
+          </p:cNvPr>
+          <p:cNvSpPr>
+            <a:spLocks noGrp="1"/>
+          </p:cNvSpPr>
+          <p:nvPr>
+            <p:ph idx="1"/>
+          </p:nvPr>
+        </p:nvSpPr>
+        <p:spPr>
+          <a:xfrm>
+            <a:off x="838200" y="1825625"/>
+            <a:ext cx="10515600" cy="889000"/>
+          </a:xfrm>
+        </p:spPr>
+        <p:txBody>
+          <a:bodyPr/>
+          <a:lstStyle/>
+          <a:p>
+            <a:r>
+              <a:rPr lang="en-US" dirty="0"/>
+              <a:t>If the circuits will not fit on a bread board, break system out into smaller slaves</a:t>
+            </a:r>
+          </a:p>
+        </p:txBody>
+      </p:sp>
+      <p:pic>
+        <p:nvPicPr>
+          <p:cNvPr id="5" name="Picture 4">
+            <a:extLst>
+              <a:ext uri="{FF2B5EF4-FFF2-40B4-BE49-F238E27FC236}">
+                <a16:creationId xmlns:a16="http://schemas.microsoft.com/office/drawing/2014/main" id="{482FB364-9DA5-458D-9C9A-5F91BA376B85}"/>
+              </a:ext>
+            </a:extLst>
+          </p:cNvPr>
+          <p:cNvPicPr>
+            <a:picLocks noChangeAspect="1"/>
+          </p:cNvPicPr>
+          <p:nvPr/>
+        </p:nvPicPr>
+        <p:blipFill>
+          <a:blip r:embed="rId2">
+            <a:extLst>
+              <a:ext uri="{28A0092B-C50C-407E-A947-70E740481C1C}">
+                <a14:useLocalDpi xmlns:a14="http://schemas.microsoft.com/office/drawing/2010/main" val="0"/>
+              </a:ext>
+            </a:extLst>
+          </a:blip>
+          <a:stretch>
+            <a:fillRect/>
+          </a:stretch>
+        </p:blipFill>
+        <p:spPr>
+          <a:xfrm>
+            <a:off x="4206504" y="2714625"/>
+            <a:ext cx="4246834" cy="3596736"/>
+          </a:xfrm>
+          <a:prstGeom prst="rect">
+            <a:avLst/>
+          </a:prstGeom>
+        </p:spPr>
+      </p:pic>
+    </p:spTree>
+    <p:extLst>
+      <p:ext uri="{BB962C8B-B14F-4D97-AF65-F5344CB8AC3E}">
+        <p14:creationId xmlns:p14="http://schemas.microsoft.com/office/powerpoint/2010/main" val="45969375"/>
+      </p:ext>
+    </p:extLst>
+  </p:cSld>
+  <p:clrMapOvr>
+    <a:masterClrMapping/>
+  </p:clrMapOvr>
+</p:sld>
+</file>
+
+<file path=ppt/slides/slide16.xml><?xml version="1.0" encoding="utf-8"?>
+<p:sld xmlns:a="http://schemas.openxmlformats.org/drawingml/2006/main" xmlns:r="http://schemas.openxmlformats.org/officeDocument/2006/relationships" xmlns:p="http://schemas.openxmlformats.org/presentationml/2006/main">
+  <p:cSld>
+    <p:spTree>
+      <p:nvGrpSpPr>
+        <p:cNvPr id="1" name=""/>
+        <p:cNvGrpSpPr/>
+        <p:nvPr/>
+      </p:nvGrpSpPr>
+      <p:grpSpPr>
+        <a:xfrm>
+          <a:off x="0" y="0"/>
+          <a:ext cx="0" cy="0"/>
+          <a:chOff x="0" y="0"/>
+          <a:chExt cx="0" cy="0"/>
+        </a:xfrm>
+      </p:grpSpPr>
+      <p:sp>
+        <p:nvSpPr>
+          <p:cNvPr id="2" name="Title 1">
+            <a:extLst>
+              <a:ext uri="{FF2B5EF4-FFF2-40B4-BE49-F238E27FC236}">
+                <a16:creationId xmlns:a16="http://schemas.microsoft.com/office/drawing/2014/main" id="{66009EC4-7AA8-4994-ABA5-231A7A3DEEBA}"/>
+              </a:ext>
+            </a:extLst>
+          </p:cNvPr>
+          <p:cNvSpPr>
+            <a:spLocks noGrp="1"/>
+          </p:cNvSpPr>
+          <p:nvPr>
+            <p:ph type="title"/>
+          </p:nvPr>
+        </p:nvSpPr>
+        <p:spPr/>
+        <p:txBody>
+          <a:bodyPr>
+            <a:normAutofit fontScale="90000"/>
+          </a:bodyPr>
+          <a:lstStyle/>
+          <a:p>
+            <a:r>
+              <a:rPr lang="en-US" dirty="0"/>
+              <a:t>Cannot Deploy Solderless </a:t>
+            </a:r>
+            <a:br>
+              <a:rPr lang="en-US" dirty="0"/>
+            </a:br>
+            <a:r>
+              <a:rPr lang="en-US" dirty="0"/>
+              <a:t>Will not hold connectors</a:t>
+            </a:r>
+            <a:br>
+              <a:rPr lang="en-US" dirty="0"/>
+            </a:br>
+            <a:endParaRPr lang="en-US" dirty="0"/>
+          </a:p>
+        </p:txBody>
+      </p:sp>
+      <p:pic>
+        <p:nvPicPr>
+          <p:cNvPr id="5" name="Picture 4">
+            <a:extLst>
+              <a:ext uri="{FF2B5EF4-FFF2-40B4-BE49-F238E27FC236}">
+                <a16:creationId xmlns:a16="http://schemas.microsoft.com/office/drawing/2014/main" id="{079F6EE6-4EFB-4353-8E89-73DA60F52E5B}"/>
+              </a:ext>
+            </a:extLst>
+          </p:cNvPr>
+          <p:cNvPicPr>
+            <a:picLocks noChangeAspect="1"/>
+          </p:cNvPicPr>
+          <p:nvPr/>
+        </p:nvPicPr>
+        <p:blipFill>
+          <a:blip r:embed="rId2">
+            <a:extLst>
+              <a:ext uri="{28A0092B-C50C-407E-A947-70E740481C1C}">
+                <a14:useLocalDpi xmlns:a14="http://schemas.microsoft.com/office/drawing/2010/main" val="0"/>
+              </a:ext>
+            </a:extLst>
+          </a:blip>
+          <a:stretch>
+            <a:fillRect/>
+          </a:stretch>
+        </p:blipFill>
+        <p:spPr>
+          <a:xfrm>
+            <a:off x="6822996" y="1400783"/>
+            <a:ext cx="5015565" cy="5018911"/>
+          </a:xfrm>
+          <a:prstGeom prst="rect">
+            <a:avLst/>
+          </a:prstGeom>
+        </p:spPr>
+      </p:pic>
+      <p:sp>
+        <p:nvSpPr>
+          <p:cNvPr id="6" name="TextBox 5">
+            <a:extLst>
+              <a:ext uri="{FF2B5EF4-FFF2-40B4-BE49-F238E27FC236}">
+                <a16:creationId xmlns:a16="http://schemas.microsoft.com/office/drawing/2014/main" id="{C52BAAAB-37CD-44D5-B131-8FF88C73E5A3}"/>
+              </a:ext>
+            </a:extLst>
+          </p:cNvPr>
+          <p:cNvSpPr txBox="1"/>
+          <p:nvPr/>
+        </p:nvSpPr>
+        <p:spPr>
+          <a:xfrm>
+            <a:off x="1819072" y="3035030"/>
+            <a:ext cx="2013693" cy="369332"/>
+          </a:xfrm>
+          <a:prstGeom prst="rect">
+            <a:avLst/>
+          </a:prstGeom>
+          <a:noFill/>
+        </p:spPr>
+        <p:txBody>
+          <a:bodyPr wrap="none" rtlCol="0">
+            <a:spAutoFit/>
+          </a:bodyPr>
+          <a:lstStyle/>
+          <a:p>
+            <a:r>
+              <a:rPr lang="en-US" dirty="0"/>
+              <a:t>3 boards for $14.00</a:t>
+            </a:r>
+          </a:p>
+        </p:txBody>
+      </p:sp>
+    </p:spTree>
+    <p:extLst>
+      <p:ext uri="{BB962C8B-B14F-4D97-AF65-F5344CB8AC3E}">
+        <p14:creationId xmlns:p14="http://schemas.microsoft.com/office/powerpoint/2010/main" val="75303542"/>
+      </p:ext>
+    </p:extLst>
+  </p:cSld>
+  <p:clrMapOvr>
+    <a:masterClrMapping/>
+  </p:clrMapOvr>
+</p:sld>
+</file>
+
+<file path=ppt/slides/slide17.xml><?xml version="1.0" encoding="utf-8"?>
+<p:sld xmlns:a="http://schemas.openxmlformats.org/drawingml/2006/main" xmlns:r="http://schemas.openxmlformats.org/officeDocument/2006/relationships" xmlns:p="http://schemas.openxmlformats.org/presentationml/2006/main">
+  <p:cSld>
+    <p:spTree>
+      <p:nvGrpSpPr>
+        <p:cNvPr id="1" name=""/>
+        <p:cNvGrpSpPr/>
+        <p:nvPr/>
+      </p:nvGrpSpPr>
+      <p:grpSpPr>
+        <a:xfrm>
+          <a:off x="0" y="0"/>
+          <a:ext cx="0" cy="0"/>
+          <a:chOff x="0" y="0"/>
+          <a:chExt cx="0" cy="0"/>
+        </a:xfrm>
+      </p:grpSpPr>
+      <p:sp>
+        <p:nvSpPr>
+          <p:cNvPr id="2" name="Title 1">
+            <a:extLst>
+              <a:ext uri="{FF2B5EF4-FFF2-40B4-BE49-F238E27FC236}">
+                <a16:creationId xmlns:a16="http://schemas.microsoft.com/office/drawing/2014/main" id="{21E0BCDB-58EA-4C37-B456-1A7F2B51EA91}"/>
+              </a:ext>
+            </a:extLst>
+          </p:cNvPr>
+          <p:cNvSpPr>
+            <a:spLocks noGrp="1"/>
+          </p:cNvSpPr>
+          <p:nvPr>
+            <p:ph type="title"/>
+          </p:nvPr>
+        </p:nvSpPr>
+        <p:spPr/>
+        <p:txBody>
+          <a:bodyPr/>
+          <a:lstStyle/>
+          <a:p>
+            <a:r>
+              <a:rPr lang="en-US" dirty="0"/>
+              <a:t>Criteria for selecting processors</a:t>
+            </a:r>
+          </a:p>
+        </p:txBody>
+      </p:sp>
+      <p:sp>
+        <p:nvSpPr>
+          <p:cNvPr id="3" name="Content Placeholder 2">
+            <a:extLst>
+              <a:ext uri="{FF2B5EF4-FFF2-40B4-BE49-F238E27FC236}">
+                <a16:creationId xmlns:a16="http://schemas.microsoft.com/office/drawing/2014/main" id="{7BE2A9FA-9570-4555-A10F-BB3096589EDA}"/>
+              </a:ext>
+            </a:extLst>
+          </p:cNvPr>
+          <p:cNvSpPr>
+            <a:spLocks noGrp="1"/>
+          </p:cNvSpPr>
+          <p:nvPr>
+            <p:ph idx="1"/>
+          </p:nvPr>
+        </p:nvSpPr>
+        <p:spPr/>
+        <p:txBody>
+          <a:bodyPr/>
+          <a:lstStyle/>
+          <a:p>
+            <a:r>
+              <a:rPr lang="en-US" dirty="0"/>
+              <a:t>Processors which we use must be prototyping boards</a:t>
+            </a:r>
+          </a:p>
+          <a:p>
+            <a:pPr lvl="1"/>
+            <a:r>
+              <a:rPr lang="en-US" dirty="0"/>
+              <a:t>Cannot afford to construct a custom board</a:t>
+            </a:r>
+          </a:p>
+          <a:p>
+            <a:r>
+              <a:rPr lang="en-US" dirty="0"/>
+              <a:t>Prototype processor boards must fit into prototyping boards.</a:t>
+            </a:r>
+          </a:p>
+          <a:p>
+            <a:r>
+              <a:rPr lang="en-US" dirty="0"/>
+              <a:t>Two such processors are shown in the next pages/</a:t>
+            </a:r>
+          </a:p>
+        </p:txBody>
+      </p:sp>
+    </p:spTree>
+    <p:extLst>
+      <p:ext uri="{BB962C8B-B14F-4D97-AF65-F5344CB8AC3E}">
+        <p14:creationId xmlns:p14="http://schemas.microsoft.com/office/powerpoint/2010/main" val="2958512134"/>
+      </p:ext>
+    </p:extLst>
+  </p:cSld>
+  <p:clrMapOvr>
+    <a:masterClrMapping/>
+  </p:clrMapOvr>
+</p:sld>
+</file>
+
+<file path=ppt/slides/slide18.xml><?xml version="1.0" encoding="utf-8"?>
+<p:sld xmlns:a="http://schemas.openxmlformats.org/drawingml/2006/main" xmlns:r="http://schemas.openxmlformats.org/officeDocument/2006/relationships" xmlns:p="http://schemas.openxmlformats.org/presentationml/2006/main">
+  <p:cSld>
+    <p:spTree>
+      <p:nvGrpSpPr>
+        <p:cNvPr id="1" name=""/>
+        <p:cNvGrpSpPr/>
+        <p:nvPr/>
+      </p:nvGrpSpPr>
+      <p:grpSpPr>
+        <a:xfrm>
+          <a:off x="0" y="0"/>
+          <a:ext cx="0" cy="0"/>
+          <a:chOff x="0" y="0"/>
+          <a:chExt cx="0" cy="0"/>
+        </a:xfrm>
+      </p:grpSpPr>
+      <p:sp>
+        <p:nvSpPr>
+          <p:cNvPr id="2" name="Title 1">
+            <a:extLst>
+              <a:ext uri="{FF2B5EF4-FFF2-40B4-BE49-F238E27FC236}">
+                <a16:creationId xmlns:a16="http://schemas.microsoft.com/office/drawing/2014/main" id="{2E0186A1-D776-443F-A9F0-E7117D793F08}"/>
+              </a:ext>
+            </a:extLst>
+          </p:cNvPr>
+          <p:cNvSpPr>
+            <a:spLocks noGrp="1"/>
+          </p:cNvSpPr>
+          <p:nvPr>
+            <p:ph type="title"/>
+          </p:nvPr>
+        </p:nvSpPr>
+        <p:spPr/>
+        <p:txBody>
+          <a:bodyPr/>
+          <a:lstStyle/>
+          <a:p>
+            <a:r>
+              <a:rPr lang="en-US" dirty="0"/>
+              <a:t>PCB boards can be produced with vendor supplied tools.</a:t>
+            </a:r>
+          </a:p>
+        </p:txBody>
+      </p:sp>
+      <p:sp>
+        <p:nvSpPr>
+          <p:cNvPr id="3" name="Content Placeholder 2">
+            <a:extLst>
+              <a:ext uri="{FF2B5EF4-FFF2-40B4-BE49-F238E27FC236}">
+                <a16:creationId xmlns:a16="http://schemas.microsoft.com/office/drawing/2014/main" id="{F7A21148-4BBD-4D88-940A-A0C94522B695}"/>
+              </a:ext>
+            </a:extLst>
+          </p:cNvPr>
+          <p:cNvSpPr>
+            <a:spLocks noGrp="1"/>
+          </p:cNvSpPr>
+          <p:nvPr>
+            <p:ph idx="1"/>
+          </p:nvPr>
+        </p:nvSpPr>
+        <p:spPr/>
+        <p:txBody>
+          <a:bodyPr/>
+          <a:lstStyle/>
+          <a:p>
+            <a:r>
+              <a:rPr lang="en-US" dirty="0" err="1"/>
+              <a:t>ExpressPCB</a:t>
+            </a:r>
+            <a:r>
+              <a:rPr lang="en-US" dirty="0"/>
+              <a:t> offers 4 layer boards 3.8”X2.5” for $30.00</a:t>
+            </a:r>
+          </a:p>
+        </p:txBody>
+      </p:sp>
+    </p:spTree>
+    <p:extLst>
+      <p:ext uri="{BB962C8B-B14F-4D97-AF65-F5344CB8AC3E}">
+        <p14:creationId xmlns:p14="http://schemas.microsoft.com/office/powerpoint/2010/main" val="36799427"/>
+      </p:ext>
+    </p:extLst>
+  </p:cSld>
+  <p:clrMapOvr>
+    <a:masterClrMapping/>
+  </p:clrMapOvr>
+</p:sld>
+</file>
+
+<file path=ppt/slides/slide19.xml><?xml version="1.0" encoding="utf-8"?>
+<p:sld xmlns:a="http://schemas.openxmlformats.org/drawingml/2006/main" xmlns:r="http://schemas.openxmlformats.org/officeDocument/2006/relationships" xmlns:p="http://schemas.openxmlformats.org/presentationml/2006/main">
+  <p:cSld>
+    <p:spTree>
+      <p:nvGrpSpPr>
+        <p:cNvPr id="1" name=""/>
+        <p:cNvGrpSpPr/>
+        <p:nvPr/>
+      </p:nvGrpSpPr>
+      <p:grpSpPr>
+        <a:xfrm>
+          <a:off x="0" y="0"/>
+          <a:ext cx="0" cy="0"/>
+          <a:chOff x="0" y="0"/>
+          <a:chExt cx="0" cy="0"/>
+        </a:xfrm>
+      </p:grpSpPr>
+      <p:sp>
+        <p:nvSpPr>
+          <p:cNvPr id="2" name="Title 1">
+            <a:extLst>
+              <a:ext uri="{FF2B5EF4-FFF2-40B4-BE49-F238E27FC236}">
+                <a16:creationId xmlns:a16="http://schemas.microsoft.com/office/drawing/2014/main" id="{71996C65-667F-4BCB-9E66-CC4A50367D31}"/>
+              </a:ext>
+            </a:extLst>
+          </p:cNvPr>
+          <p:cNvSpPr>
+            <a:spLocks noGrp="1"/>
+          </p:cNvSpPr>
+          <p:nvPr>
+            <p:ph type="title"/>
+          </p:nvPr>
+        </p:nvSpPr>
+        <p:spPr/>
+        <p:txBody>
+          <a:bodyPr/>
+          <a:lstStyle/>
+          <a:p>
+            <a:r>
+              <a:rPr lang="en-US" dirty="0"/>
+              <a:t>PSOC 4</a:t>
+            </a:r>
+          </a:p>
+        </p:txBody>
+      </p:sp>
+      <p:pic>
+        <p:nvPicPr>
+          <p:cNvPr id="1026" name="Picture 2" descr="https://encrypted-tbn2.gstatic.com/shopping?q=tbn:ANd9GcSYrdi5RVnQjtJPH9c1iPoSlO5bRQq3bMwBRjTPFCvFLELmbnk&amp;usqp=CAY">
+            <a:extLst>
+              <a:ext uri="{FF2B5EF4-FFF2-40B4-BE49-F238E27FC236}">
+                <a16:creationId xmlns:a16="http://schemas.microsoft.com/office/drawing/2014/main" id="{EB5EA0BE-EA50-42C1-808B-94BCAFC38154}"/>
+              </a:ext>
+            </a:extLst>
+          </p:cNvPr>
+          <p:cNvPicPr>
+            <a:picLocks noGrp="1" noChangeAspect="1" noChangeArrowheads="1"/>
+          </p:cNvPicPr>
+          <p:nvPr>
+            <p:ph idx="1"/>
+          </p:nvPr>
+        </p:nvPicPr>
+        <p:blipFill>
+          <a:blip r:embed="rId2">
+            <a:extLst>
+              <a:ext uri="{28A0092B-C50C-407E-A947-70E740481C1C}">
+                <a14:useLocalDpi xmlns:a14="http://schemas.microsoft.com/office/drawing/2010/main" val="0"/>
+              </a:ext>
+            </a:extLst>
+          </a:blip>
+          <a:srcRect/>
+          <a:stretch>
+            <a:fillRect/>
+          </a:stretch>
+        </p:blipFill>
+        <p:spPr bwMode="auto">
+          <a:xfrm>
+            <a:off x="3920331" y="1825625"/>
+            <a:ext cx="4351338" cy="4351338"/>
+          </a:xfrm>
+          <a:prstGeom prst="rect">
+            <a:avLst/>
+          </a:prstGeom>
+          <a:noFill/>
+          <a:extLst>
+            <a:ext uri="{909E8E84-426E-40DD-AFC4-6F175D3DCCD1}">
+              <a14:hiddenFill xmlns:a14="http://schemas.microsoft.com/office/drawing/2010/main">
+                <a:solidFill>
+                  <a:srgbClr val="FFFFFF"/>
+                </a:solidFill>
+              </a14:hiddenFill>
+            </a:ext>
+          </a:extLst>
+        </p:spPr>
+      </p:pic>
+      <p:sp>
+        <p:nvSpPr>
+          <p:cNvPr id="8" name="TextBox 7">
+            <a:extLst>
+              <a:ext uri="{FF2B5EF4-FFF2-40B4-BE49-F238E27FC236}">
+                <a16:creationId xmlns:a16="http://schemas.microsoft.com/office/drawing/2014/main" id="{EAB14D6E-91ED-4F73-A286-488EF82517E3}"/>
+              </a:ext>
+            </a:extLst>
+          </p:cNvPr>
+          <p:cNvSpPr txBox="1"/>
+          <p:nvPr/>
+        </p:nvSpPr>
+        <p:spPr>
+          <a:xfrm>
+            <a:off x="692944" y="2035969"/>
+            <a:ext cx="3143250" cy="2308324"/>
+          </a:xfrm>
+          <a:prstGeom prst="rect">
+            <a:avLst/>
+          </a:prstGeom>
+          <a:noFill/>
+        </p:spPr>
+        <p:txBody>
+          <a:bodyPr wrap="square" rtlCol="0">
+            <a:spAutoFit/>
+          </a:bodyPr>
+          <a:lstStyle/>
+          <a:p>
+            <a:r>
+              <a:rPr lang="en-US" dirty="0"/>
+              <a:t>The PSOC 4 is less than $5.00 from arrow ( orders over $20.00 ship overnight free)</a:t>
+            </a:r>
+          </a:p>
+          <a:p>
+            <a:r>
+              <a:rPr lang="en-US" dirty="0"/>
+              <a:t>For units over 1000 the price is $3.50 from Cypress.</a:t>
+            </a:r>
+          </a:p>
+          <a:p>
+            <a:endParaRPr lang="en-US" dirty="0"/>
+          </a:p>
+          <a:p>
+            <a:r>
+              <a:rPr lang="en-US" dirty="0"/>
+              <a:t>Free Development tools from cypress.</a:t>
+            </a:r>
+          </a:p>
+        </p:txBody>
+      </p:sp>
+    </p:spTree>
+    <p:extLst>
+      <p:ext uri="{BB962C8B-B14F-4D97-AF65-F5344CB8AC3E}">
+        <p14:creationId xmlns:p14="http://schemas.microsoft.com/office/powerpoint/2010/main" val="2835219066"/>
+      </p:ext>
+    </p:extLst>
+  </p:cSld>
+  <p:clrMapOvr>
+    <a:masterClrMapping/>
+  </p:clrMapOvr>
+</p:sld>
+</file>
+
+<file path=ppt/slides/slide2.xml><?xml version="1.0" encoding="utf-8"?>
+<p:sld xmlns:a="http://schemas.openxmlformats.org/drawingml/2006/main" xmlns:r="http://schemas.openxmlformats.org/officeDocument/2006/relationships" xmlns:p="http://schemas.openxmlformats.org/presentationml/2006/main">
+  <p:cSld>
+    <p:spTree>
+      <p:nvGrpSpPr>
+        <p:cNvPr id="1" name=""/>
+        <p:cNvGrpSpPr/>
+        <p:nvPr/>
+      </p:nvGrpSpPr>
+      <p:grpSpPr>
+        <a:xfrm>
+          <a:off x="0" y="0"/>
+          <a:ext cx="0" cy="0"/>
+          <a:chOff x="0" y="0"/>
+          <a:chExt cx="0" cy="0"/>
+        </a:xfrm>
+      </p:grpSpPr>
+      <p:sp>
+        <p:nvSpPr>
+          <p:cNvPr id="2" name="Title 1">
+            <a:extLst>
+              <a:ext uri="{FF2B5EF4-FFF2-40B4-BE49-F238E27FC236}">
+                <a16:creationId xmlns:a16="http://schemas.microsoft.com/office/drawing/2014/main" id="{3E0BE528-D7FF-40EC-AF94-58A6F2B387D1}"/>
+              </a:ext>
+            </a:extLst>
+          </p:cNvPr>
+          <p:cNvSpPr>
+            <a:spLocks noGrp="1"/>
+          </p:cNvSpPr>
+          <p:nvPr>
+            <p:ph type="title"/>
+          </p:nvPr>
+        </p:nvSpPr>
+        <p:spPr/>
+        <p:txBody>
+          <a:bodyPr/>
+          <a:lstStyle/>
+          <a:p>
+            <a:r>
+              <a:rPr lang="en-US" dirty="0"/>
+              <a:t>Production costs </a:t>
+            </a:r>
+          </a:p>
+        </p:txBody>
+      </p:sp>
+      <p:sp>
+        <p:nvSpPr>
+          <p:cNvPr id="3" name="Content Placeholder 2">
+            <a:extLst>
+              <a:ext uri="{FF2B5EF4-FFF2-40B4-BE49-F238E27FC236}">
+                <a16:creationId xmlns:a16="http://schemas.microsoft.com/office/drawing/2014/main" id="{022B386F-E3B6-4F51-AFA4-6200D5B2AB61}"/>
+              </a:ext>
+            </a:extLst>
+          </p:cNvPr>
+          <p:cNvSpPr>
+            <a:spLocks noGrp="1"/>
+          </p:cNvSpPr>
+          <p:nvPr>
+            <p:ph idx="1"/>
+          </p:nvPr>
+        </p:nvSpPr>
+        <p:spPr/>
+        <p:txBody>
+          <a:bodyPr>
+            <a:normAutofit fontScale="77500" lnSpcReduction="20000"/>
+          </a:bodyPr>
+          <a:lstStyle/>
+          <a:p>
+            <a:r>
+              <a:rPr lang="en-US" dirty="0"/>
+              <a:t>Production costs is the sum of development costs plus the cost of production.</a:t>
+            </a:r>
+          </a:p>
+          <a:p>
+            <a:pPr lvl="1"/>
+            <a:r>
+              <a:rPr lang="en-US" dirty="0"/>
+              <a:t>The development costs is sometimes called the non recurring costs.</a:t>
+            </a:r>
+          </a:p>
+          <a:p>
+            <a:pPr lvl="1"/>
+            <a:r>
+              <a:rPr lang="en-US" dirty="0"/>
+              <a:t>Recurring Costs/Unit is the ( recurring cost)/(number of units)</a:t>
+            </a:r>
+          </a:p>
+          <a:p>
+            <a:pPr lvl="1"/>
+            <a:r>
+              <a:rPr lang="en-US" dirty="0"/>
+              <a:t>Number of IOT systems we are producing maybe on the order of 10’s.</a:t>
+            </a:r>
+          </a:p>
+          <a:p>
+            <a:r>
+              <a:rPr lang="en-US" dirty="0"/>
+              <a:t>For example, if a board layout cost are $1000 dollars, then the recurring cost for the board for a unit of 10 unit is $100.00.</a:t>
+            </a:r>
+          </a:p>
+          <a:p>
+            <a:pPr lvl="1"/>
+            <a:r>
+              <a:rPr lang="en-US" dirty="0"/>
+              <a:t>This does not include populating the board</a:t>
+            </a:r>
+          </a:p>
+          <a:p>
+            <a:pPr lvl="1"/>
+            <a:r>
+              <a:rPr lang="en-US" dirty="0"/>
+              <a:t>This does not include the costs of the pc board or the costs of the parts</a:t>
+            </a:r>
+          </a:p>
+          <a:p>
+            <a:pPr lvl="1"/>
+            <a:r>
+              <a:rPr lang="en-US" dirty="0"/>
+              <a:t>The costs of parts can be 3X the cost of a large volume producer</a:t>
+            </a:r>
+          </a:p>
+          <a:p>
+            <a:pPr lvl="2"/>
+            <a:r>
+              <a:rPr lang="en-US" dirty="0"/>
+              <a:t>One of the reason low volume systems in America are made in China</a:t>
+            </a:r>
+          </a:p>
+          <a:p>
+            <a:pPr lvl="1"/>
+            <a:r>
+              <a:rPr lang="en-US" dirty="0"/>
+              <a:t>Also, the hardware costs have to multiplied by 3X to a customer for sustainable environment.</a:t>
+            </a:r>
+          </a:p>
+          <a:p>
+            <a:pPr lvl="1"/>
+            <a:r>
+              <a:rPr lang="en-US" dirty="0"/>
+              <a:t>This means that we could be at a 9x cost advantage to a large manufacturer</a:t>
+            </a:r>
+          </a:p>
+          <a:p>
+            <a:r>
+              <a:rPr lang="en-US" dirty="0"/>
+              <a:t>Conclusion</a:t>
+            </a:r>
+          </a:p>
+          <a:p>
+            <a:pPr lvl="1"/>
+            <a:r>
+              <a:rPr lang="en-US" dirty="0"/>
+              <a:t>We cannot do things the conventional way</a:t>
+            </a:r>
+          </a:p>
+          <a:p>
+            <a:pPr lvl="1"/>
+            <a:r>
+              <a:rPr lang="en-US" dirty="0"/>
+              <a:t>Many of my lost friends have not made the transition</a:t>
+            </a:r>
+          </a:p>
+          <a:p>
+            <a:pPr marL="457200" lvl="1" indent="0">
+              <a:buNone/>
+            </a:pPr>
+            <a:endParaRPr lang="en-US" dirty="0"/>
+          </a:p>
+          <a:p>
+            <a:pPr marL="457200" lvl="1" indent="0">
+              <a:buNone/>
+            </a:pPr>
+            <a:endParaRPr lang="en-US" dirty="0"/>
+          </a:p>
+        </p:txBody>
+      </p:sp>
+    </p:spTree>
+    <p:extLst>
+      <p:ext uri="{BB962C8B-B14F-4D97-AF65-F5344CB8AC3E}">
+        <p14:creationId xmlns:p14="http://schemas.microsoft.com/office/powerpoint/2010/main" val="1053991530"/>
+      </p:ext>
+    </p:extLst>
+  </p:cSld>
+  <p:clrMapOvr>
+    <a:masterClrMapping/>
+  </p:clrMapOvr>
+</p:sld>
+</file>
+
+<file path=ppt/slides/slide20.xml><?xml version="1.0" encoding="utf-8"?>
+<p:sld xmlns:a="http://schemas.openxmlformats.org/drawingml/2006/main" xmlns:r="http://schemas.openxmlformats.org/officeDocument/2006/relationships" xmlns:p="http://schemas.openxmlformats.org/presentationml/2006/main">
+  <p:cSld>
+    <p:spTree>
+      <p:nvGrpSpPr>
+        <p:cNvPr id="1" name=""/>
+        <p:cNvGrpSpPr/>
+        <p:nvPr/>
+      </p:nvGrpSpPr>
+      <p:grpSpPr>
+        <a:xfrm>
+          <a:off x="0" y="0"/>
+          <a:ext cx="0" cy="0"/>
+          <a:chOff x="0" y="0"/>
+          <a:chExt cx="0" cy="0"/>
+        </a:xfrm>
+      </p:grpSpPr>
+      <p:sp>
+        <p:nvSpPr>
+          <p:cNvPr id="2" name="Title 1">
+            <a:extLst>
+              <a:ext uri="{FF2B5EF4-FFF2-40B4-BE49-F238E27FC236}">
+                <a16:creationId xmlns:a16="http://schemas.microsoft.com/office/drawing/2014/main" id="{4931B488-1096-490C-9470-47988750D140}"/>
+              </a:ext>
+            </a:extLst>
+          </p:cNvPr>
+          <p:cNvSpPr>
+            <a:spLocks noGrp="1"/>
+          </p:cNvSpPr>
+          <p:nvPr>
+            <p:ph type="title"/>
+          </p:nvPr>
+        </p:nvSpPr>
+        <p:spPr/>
+        <p:txBody>
+          <a:bodyPr/>
+          <a:lstStyle/>
+          <a:p>
+            <a:r>
+              <a:rPr lang="en-US" dirty="0"/>
+              <a:t>PSOC 5</a:t>
+            </a:r>
+          </a:p>
+        </p:txBody>
+      </p:sp>
+      <p:pic>
+        <p:nvPicPr>
+          <p:cNvPr id="2050" name="Picture 2" descr="https://media.digikey.com/Photos/Cypress%20Semi%20Photos/MFG_CY8CKIT-059.jpg">
+            <a:extLst>
+              <a:ext uri="{FF2B5EF4-FFF2-40B4-BE49-F238E27FC236}">
+                <a16:creationId xmlns:a16="http://schemas.microsoft.com/office/drawing/2014/main" id="{65D4C1DD-1FC1-4549-8625-4B173DCEC529}"/>
+              </a:ext>
+            </a:extLst>
+          </p:cNvPr>
+          <p:cNvPicPr>
+            <a:picLocks noChangeAspect="1" noChangeArrowheads="1"/>
+          </p:cNvPicPr>
+          <p:nvPr/>
+        </p:nvPicPr>
+        <p:blipFill>
+          <a:blip r:embed="rId2">
+            <a:extLst>
+              <a:ext uri="{28A0092B-C50C-407E-A947-70E740481C1C}">
+                <a14:useLocalDpi xmlns:a14="http://schemas.microsoft.com/office/drawing/2010/main" val="0"/>
+              </a:ext>
+            </a:extLst>
+          </a:blip>
+          <a:srcRect/>
+          <a:stretch>
+            <a:fillRect/>
+          </a:stretch>
+        </p:blipFill>
+        <p:spPr bwMode="auto">
+          <a:xfrm>
+            <a:off x="5419725" y="2445541"/>
+            <a:ext cx="3674270" cy="3674270"/>
+          </a:xfrm>
+          <a:prstGeom prst="rect">
+            <a:avLst/>
+          </a:prstGeom>
+          <a:noFill/>
+          <a:extLst>
+            <a:ext uri="{909E8E84-426E-40DD-AFC4-6F175D3DCCD1}">
+              <a14:hiddenFill xmlns:a14="http://schemas.microsoft.com/office/drawing/2010/main">
+                <a:solidFill>
+                  <a:srgbClr val="FFFFFF"/>
+                </a:solidFill>
+              </a14:hiddenFill>
+            </a:ext>
+          </a:extLst>
+        </p:spPr>
+      </p:pic>
+      <p:sp>
+        <p:nvSpPr>
+          <p:cNvPr id="4" name="TextBox 3">
+            <a:extLst>
+              <a:ext uri="{FF2B5EF4-FFF2-40B4-BE49-F238E27FC236}">
+                <a16:creationId xmlns:a16="http://schemas.microsoft.com/office/drawing/2014/main" id="{B87D0154-CD13-40F5-BA65-C87BD3C4D098}"/>
+              </a:ext>
+            </a:extLst>
+          </p:cNvPr>
+          <p:cNvSpPr txBox="1"/>
+          <p:nvPr/>
+        </p:nvSpPr>
+        <p:spPr>
+          <a:xfrm>
+            <a:off x="621506" y="2185988"/>
+            <a:ext cx="3236119" cy="2862322"/>
+          </a:xfrm>
+          <a:prstGeom prst="rect">
+            <a:avLst/>
+          </a:prstGeom>
+          <a:noFill/>
+        </p:spPr>
+        <p:txBody>
+          <a:bodyPr wrap="square" rtlCol="0">
+            <a:spAutoFit/>
+          </a:bodyPr>
+          <a:lstStyle/>
+          <a:p>
+            <a:r>
+              <a:rPr lang="en-US" dirty="0"/>
+              <a:t>This part has 4 instrumentation amplifiers and a high resolution </a:t>
+            </a:r>
+            <a:r>
+              <a:rPr lang="en-US" dirty="0" err="1"/>
+              <a:t>a/d</a:t>
+            </a:r>
+            <a:r>
+              <a:rPr lang="en-US" dirty="0"/>
+              <a:t> up to 18 bits.  Also, the part has 4 DACS. Use this part when instrumentation situations arise.</a:t>
+            </a:r>
+          </a:p>
+          <a:p>
+            <a:endParaRPr lang="en-US" dirty="0"/>
+          </a:p>
+          <a:p>
+            <a:r>
+              <a:rPr lang="en-US" dirty="0"/>
+              <a:t>The price of the part is $15.00 from Digi Key and $9.20 from Arrow.</a:t>
+            </a:r>
+          </a:p>
+          <a:p>
+            <a:endParaRPr lang="en-US" dirty="0"/>
+          </a:p>
+        </p:txBody>
+      </p:sp>
+    </p:spTree>
+    <p:extLst>
+      <p:ext uri="{BB962C8B-B14F-4D97-AF65-F5344CB8AC3E}">
+        <p14:creationId xmlns:p14="http://schemas.microsoft.com/office/powerpoint/2010/main" val="3901192488"/>
+      </p:ext>
+    </p:extLst>
+  </p:cSld>
+  <p:clrMapOvr>
+    <a:masterClrMapping/>
+  </p:clrMapOvr>
+</p:sld>
+</file>
+
+<file path=ppt/slides/slide21.xml><?xml version="1.0" encoding="utf-8"?>
+<p:sld xmlns:a="http://schemas.openxmlformats.org/drawingml/2006/main" xmlns:r="http://schemas.openxmlformats.org/officeDocument/2006/relationships" xmlns:p="http://schemas.openxmlformats.org/presentationml/2006/main">
+  <p:cSld>
+    <p:spTree>
+      <p:nvGrpSpPr>
+        <p:cNvPr id="1" name=""/>
+        <p:cNvGrpSpPr/>
+        <p:nvPr/>
+      </p:nvGrpSpPr>
+      <p:grpSpPr>
+        <a:xfrm>
+          <a:off x="0" y="0"/>
+          <a:ext cx="0" cy="0"/>
+          <a:chOff x="0" y="0"/>
+          <a:chExt cx="0" cy="0"/>
+        </a:xfrm>
+      </p:grpSpPr>
+      <p:sp>
+        <p:nvSpPr>
+          <p:cNvPr id="2" name="Title 1">
+            <a:extLst>
+              <a:ext uri="{FF2B5EF4-FFF2-40B4-BE49-F238E27FC236}">
                 <a16:creationId xmlns:a16="http://schemas.microsoft.com/office/drawing/2014/main" id="{D93A53C1-1B00-411A-A021-1A8E1801EBAC}"/>
               </a:ext>
             </a:extLst>
@@ -3850,7 +5684,7 @@
 </p:sld>
 </file>
 
-<file path=ppt/slides/slide11.xml><?xml version="1.0" encoding="utf-8"?>
+<file path=ppt/slides/slide22.xml><?xml version="1.0" encoding="utf-8"?>
 <p:sld xmlns:a="http://schemas.openxmlformats.org/drawingml/2006/main" xmlns:r="http://schemas.openxmlformats.org/officeDocument/2006/relationships" xmlns:p="http://schemas.openxmlformats.org/presentationml/2006/main">
   <p:cSld>
     <p:spTree>
@@ -3956,7 +5790,7 @@
 </p:sld>
 </file>
 
-<file path=ppt/slides/slide12.xml><?xml version="1.0" encoding="utf-8"?>
+<file path=ppt/slides/slide23.xml><?xml version="1.0" encoding="utf-8"?>
 <p:sld xmlns:a="http://schemas.openxmlformats.org/drawingml/2006/main" xmlns:r="http://schemas.openxmlformats.org/officeDocument/2006/relationships" xmlns:p="http://schemas.openxmlformats.org/presentationml/2006/main">
   <p:cSld>
     <p:spTree>
@@ -3978,7 +5812,7 @@
           <p:cNvPr id="2" name="Title 1">
             <a:extLst>
               <a:ext uri="{FF2B5EF4-FFF2-40B4-BE49-F238E27FC236}">
-                <a16:creationId xmlns:a16="http://schemas.microsoft.com/office/drawing/2014/main" id="{6238BBF4-23D2-426D-A776-975D21A2423D}"/>
+                <a16:creationId xmlns:a16="http://schemas.microsoft.com/office/drawing/2014/main" id="{6263319F-D98E-4417-9F5D-0AF586EFF39A}"/>
               </a:ext>
             </a:extLst>
           </p:cNvPr>
@@ -3996,8 +5830,12 @@
           <a:p>
             <a:r>
               <a:rPr lang="en-US" dirty="0"/>
-              <a:t>Enclosures</a:t>
-            </a:r>
+              <a:t>Extending Range of I2C</a:t>
+            </a:r>
+            <a:br>
+              <a:rPr lang="en-US" dirty="0"/>
+            </a:br>
+            <a:endParaRPr lang="en-US" dirty="0"/>
           </a:p>
         </p:txBody>
       </p:sp>
@@ -4006,7 +5844,7 @@
           <p:cNvPr id="3" name="Content Placeholder 2">
             <a:extLst>
               <a:ext uri="{FF2B5EF4-FFF2-40B4-BE49-F238E27FC236}">
-                <a16:creationId xmlns:a16="http://schemas.microsoft.com/office/drawing/2014/main" id="{55024280-D53B-4ADB-A2E0-3484792713AB}"/>
+                <a16:creationId xmlns:a16="http://schemas.microsoft.com/office/drawing/2014/main" id="{BDF9BE79-5947-4BFE-8215-90B28B2F0314}"/>
               </a:ext>
             </a:extLst>
           </p:cNvPr>
@@ -4017,19 +5855,148 @@
             <p:ph idx="1"/>
           </p:nvPr>
         </p:nvSpPr>
-        <p:spPr/>
-        <p:txBody>
-          <a:bodyPr/>
-          <a:lstStyle/>
+        <p:spPr>
+          <a:xfrm>
+            <a:off x="838200" y="1825625"/>
+            <a:ext cx="7323306" cy="1853406"/>
+          </a:xfrm>
+        </p:spPr>
+        <p:txBody>
+          <a:bodyPr>
+            <a:normAutofit fontScale="92500" lnSpcReduction="20000"/>
+          </a:bodyPr>
+          <a:lstStyle/>
+          <a:p>
+            <a:r>
+              <a:rPr lang="en-US" sz="1600" dirty="0"/>
+              <a:t>Allows Bus Capacitance of </a:t>
+            </a:r>
+            <a:r>
+              <a:rPr lang="en-US" sz="1600" b="1" dirty="0"/>
+              <a:t>400 pF </a:t>
+            </a:r>
+            <a:r>
+              <a:rPr lang="en-US" sz="1600" dirty="0"/>
+              <a:t>on Main I</a:t>
+            </a:r>
+            <a:r>
+              <a:rPr lang="en-US" sz="1600" baseline="30000" dirty="0"/>
+              <a:t>2</a:t>
+            </a:r>
+            <a:r>
+              <a:rPr lang="en-US" sz="1600" dirty="0"/>
+              <a:t>C Bus (</a:t>
+            </a:r>
+            <a:r>
+              <a:rPr lang="en-US" sz="1600" dirty="0" err="1"/>
+              <a:t>Sx</a:t>
+            </a:r>
+            <a:r>
+              <a:rPr lang="en-US" sz="1600" dirty="0"/>
+              <a:t>/</a:t>
+            </a:r>
+            <a:r>
+              <a:rPr lang="en-US" sz="1600" dirty="0" err="1"/>
+              <a:t>Sy</a:t>
+            </a:r>
+            <a:r>
+              <a:rPr lang="en-US" sz="1600" dirty="0"/>
+              <a:t> Side) and </a:t>
+            </a:r>
+            <a:r>
+              <a:rPr lang="en-US" sz="1600" b="1" dirty="0"/>
+              <a:t>3000 pF </a:t>
+            </a:r>
+            <a:r>
+              <a:rPr lang="en-US" sz="1600" dirty="0"/>
+              <a:t>on Transmission Side (Lx/Ly Side)</a:t>
+            </a:r>
+          </a:p>
+          <a:p>
+            <a:r>
+              <a:rPr lang="en-US" sz="1600" dirty="0"/>
+              <a:t>Dual Bidirectional Unity-Voltage-Gain Buffer With No External Directional Control Required</a:t>
+            </a:r>
+          </a:p>
+          <a:p>
+            <a:r>
+              <a:rPr lang="en-US" sz="1600" dirty="0"/>
+              <a:t>Drives 10× Lower-Impedance Bus Wiring for Improved Noise Immunity</a:t>
+            </a:r>
+          </a:p>
+          <a:p>
+            <a:r>
+              <a:rPr lang="en-US" sz="1600" dirty="0"/>
+              <a:t>Multi-Drop Distribution of I</a:t>
+            </a:r>
+            <a:r>
+              <a:rPr lang="en-US" sz="1600" baseline="30000" dirty="0"/>
+              <a:t>2</a:t>
+            </a:r>
+            <a:r>
+              <a:rPr lang="en-US" sz="1600" dirty="0"/>
+              <a:t>C Signals Using Low-Cost Twisted-Pair Cables</a:t>
+            </a:r>
+          </a:p>
+          <a:p>
+            <a:r>
+              <a:rPr lang="en-US" sz="1600" b="1" dirty="0"/>
+              <a:t>I</a:t>
+            </a:r>
+            <a:r>
+              <a:rPr lang="en-US" sz="1600" b="1" baseline="30000" dirty="0"/>
+              <a:t>2</a:t>
+            </a:r>
+            <a:r>
+              <a:rPr lang="en-US" sz="1600" b="1" dirty="0"/>
+              <a:t>C Bus Operation Over 50 Meters of Twisted-Pair Wire</a:t>
+            </a:r>
+          </a:p>
           <a:p>
             <a:endParaRPr lang="en-US" dirty="0"/>
           </a:p>
         </p:txBody>
       </p:sp>
+      <p:pic>
+        <p:nvPicPr>
+          <p:cNvPr id="5" name="Picture 4">
+            <a:extLst>
+              <a:ext uri="{FF2B5EF4-FFF2-40B4-BE49-F238E27FC236}">
+                <a16:creationId xmlns:a16="http://schemas.microsoft.com/office/drawing/2014/main" id="{20DBBD59-039D-40C6-B013-49576FAB801F}"/>
+              </a:ext>
+            </a:extLst>
+          </p:cNvPr>
+          <p:cNvPicPr>
+            <a:picLocks noChangeAspect="1"/>
+          </p:cNvPicPr>
+          <p:nvPr/>
+        </p:nvPicPr>
+        <p:blipFill>
+          <a:blip r:embed="rId2">
+            <a:extLst>
+              <a:ext uri="{28A0092B-C50C-407E-A947-70E740481C1C}">
+                <a14:useLocalDpi xmlns:a14="http://schemas.microsoft.com/office/drawing/2010/main" val="0"/>
+              </a:ext>
+            </a:extLst>
+          </a:blip>
+          <a:stretch>
+            <a:fillRect/>
+          </a:stretch>
+        </p:blipFill>
+        <p:spPr>
+          <a:xfrm>
+            <a:off x="8064230" y="1690688"/>
+            <a:ext cx="3774332" cy="4469727"/>
+          </a:xfrm>
+          <a:prstGeom prst="rect">
+            <a:avLst/>
+          </a:prstGeom>
+        </p:spPr>
+      </p:pic>
     </p:spTree>
     <p:extLst>
       <p:ext uri="{BB962C8B-B14F-4D97-AF65-F5344CB8AC3E}">
-        <p14:creationId xmlns:p14="http://schemas.microsoft.com/office/powerpoint/2010/main" val="1125954321"/>
+        <p14:creationId xmlns:p14="http://schemas.microsoft.com/office/powerpoint/2010/main" val="1589450381"/>
       </p:ext>
     </p:extLst>
   </p:cSld>
@@ -4039,7 +6006,7 @@
 </p:sld>
 </file>
 
-<file path=ppt/slides/slide2.xml><?xml version="1.0" encoding="utf-8"?>
+<file path=ppt/slides/slide24.xml><?xml version="1.0" encoding="utf-8"?>
 <p:sld xmlns:a="http://schemas.openxmlformats.org/drawingml/2006/main" xmlns:r="http://schemas.openxmlformats.org/officeDocument/2006/relationships" xmlns:p="http://schemas.openxmlformats.org/presentationml/2006/main">
   <p:cSld>
     <p:spTree>
@@ -4061,7 +6028,7 @@
           <p:cNvPr id="2" name="Title 1">
             <a:extLst>
               <a:ext uri="{FF2B5EF4-FFF2-40B4-BE49-F238E27FC236}">
-                <a16:creationId xmlns:a16="http://schemas.microsoft.com/office/drawing/2014/main" id="{3E0BE528-D7FF-40EC-AF94-58A6F2B387D1}"/>
+                <a16:creationId xmlns:a16="http://schemas.microsoft.com/office/drawing/2014/main" id="{97686B6E-1D22-41FB-A97E-8AC40521E3C0}"/>
               </a:ext>
             </a:extLst>
           </p:cNvPr>
@@ -4079,7 +6046,7 @@
           <a:p>
             <a:r>
               <a:rPr lang="en-US" dirty="0"/>
-              <a:t>Production costs </a:t>
+              <a:t>Other approaches?</a:t>
             </a:r>
           </a:p>
         </p:txBody>
@@ -4089,7 +6056,7 @@
           <p:cNvPr id="3" name="Content Placeholder 2">
             <a:extLst>
               <a:ext uri="{FF2B5EF4-FFF2-40B4-BE49-F238E27FC236}">
-                <a16:creationId xmlns:a16="http://schemas.microsoft.com/office/drawing/2014/main" id="{022B386F-E3B6-4F51-AFA4-6200D5B2AB61}"/>
+                <a16:creationId xmlns:a16="http://schemas.microsoft.com/office/drawing/2014/main" id="{48D1EB20-12FF-4CD1-AC48-49684BAB6D8D}"/>
               </a:ext>
             </a:extLst>
           </p:cNvPr>
@@ -4102,116 +6069,26 @@
         </p:nvSpPr>
         <p:spPr/>
         <p:txBody>
-          <a:bodyPr>
-            <a:normAutofit fontScale="85000" lnSpcReduction="20000"/>
-          </a:bodyPr>
-          <a:lstStyle/>
-          <a:p>
-            <a:r>
-              <a:rPr lang="en-US" dirty="0"/>
-              <a:t>Production costs is the sum of development costs plus the cost of production.</a:t>
-            </a:r>
-          </a:p>
-          <a:p>
-            <a:pPr lvl="1"/>
-            <a:r>
-              <a:rPr lang="en-US" dirty="0"/>
-              <a:t>The development costs is sometimes called the non recurring costs.</a:t>
-            </a:r>
-          </a:p>
-          <a:p>
-            <a:pPr lvl="1"/>
-            <a:r>
-              <a:rPr lang="en-US" dirty="0"/>
-              <a:t>Number of IOT systems we are producing maybe on the order of 10’s.</a:t>
-            </a:r>
-          </a:p>
-          <a:p>
-            <a:r>
-              <a:rPr lang="en-US" dirty="0"/>
-              <a:t>For example, if a board layout cost are $1000 dollars, then the recurring cost for the board for a unit of 10 unit is $100.00.</a:t>
-            </a:r>
-          </a:p>
-          <a:p>
-            <a:pPr lvl="1"/>
-            <a:r>
-              <a:rPr lang="en-US" dirty="0"/>
-              <a:t>This does not include populating the board</a:t>
-            </a:r>
-          </a:p>
-          <a:p>
-            <a:pPr lvl="1"/>
-            <a:r>
-              <a:rPr lang="en-US" dirty="0"/>
-              <a:t>This does not include the costs of the pc board or the costs of the parts</a:t>
-            </a:r>
-          </a:p>
-          <a:p>
-            <a:pPr lvl="1"/>
-            <a:r>
-              <a:rPr lang="en-US" dirty="0"/>
-              <a:t>The costs of parts can be 3X the cost of a large volume producer</a:t>
-            </a:r>
-          </a:p>
-          <a:p>
-            <a:pPr lvl="2"/>
-            <a:r>
-              <a:rPr lang="en-US" dirty="0"/>
-              <a:t>One of the reason low volume systems in America are made in China</a:t>
-            </a:r>
-          </a:p>
-          <a:p>
-            <a:pPr lvl="1"/>
-            <a:r>
-              <a:rPr lang="en-US" dirty="0"/>
-              <a:t>Also, the hardware costs have to multiplied by 3X to a customer for sustainable environment.</a:t>
-            </a:r>
-          </a:p>
-          <a:p>
-            <a:pPr lvl="1"/>
-            <a:r>
-              <a:rPr lang="en-US" dirty="0"/>
-              <a:t>This means that we could be at a 9x cost advantage to a large manufacturer</a:t>
-            </a:r>
-          </a:p>
-          <a:p>
-            <a:r>
-              <a:rPr lang="en-US" dirty="0"/>
-              <a:t>Conclusion</a:t>
-            </a:r>
-          </a:p>
-          <a:p>
-            <a:pPr lvl="1"/>
-            <a:r>
-              <a:rPr lang="en-US" dirty="0"/>
-              <a:t>We cannot do things the conventional way</a:t>
-            </a:r>
-          </a:p>
-          <a:p>
-            <a:pPr lvl="1"/>
-            <a:r>
-              <a:rPr lang="en-US" dirty="0"/>
-              <a:t>Many of my lost friends have not made the transition</a:t>
-            </a:r>
-          </a:p>
-          <a:p>
-            <a:pPr marL="457200" lvl="1" indent="0">
-              <a:buNone/>
-            </a:pPr>
-            <a:endParaRPr lang="en-US" dirty="0"/>
-          </a:p>
-          <a:p>
-            <a:pPr marL="457200" lvl="1" indent="0">
-              <a:buNone/>
-            </a:pPr>
-            <a:endParaRPr lang="en-US" dirty="0"/>
+          <a:bodyPr/>
+          <a:lstStyle/>
+          <a:p>
+            <a:r>
+              <a:rPr lang="en-US" dirty="0"/>
+              <a:t>Other approaches are welcome.</a:t>
+            </a:r>
+          </a:p>
+          <a:p>
+            <a:r>
+              <a:rPr lang="en-US" dirty="0"/>
+              <a:t>Solution to this problem is critical to the success of deploying complex IOT systems.</a:t>
+            </a:r>
           </a:p>
         </p:txBody>
       </p:sp>
     </p:spTree>
     <p:extLst>
       <p:ext uri="{BB962C8B-B14F-4D97-AF65-F5344CB8AC3E}">
-        <p14:creationId xmlns:p14="http://schemas.microsoft.com/office/powerpoint/2010/main" val="1053991530"/>
+        <p14:creationId xmlns:p14="http://schemas.microsoft.com/office/powerpoint/2010/main" val="2552097028"/>
       </p:ext>
     </p:extLst>
   </p:cSld>
@@ -4487,6 +6364,13 @@
               <a:t> mechanical tools</a:t>
             </a:r>
           </a:p>
+          <a:p>
+            <a:pPr lvl="1"/>
+            <a:r>
+              <a:rPr lang="en-US" dirty="0"/>
+              <a:t>Need Skilled Assemblers and Technicians</a:t>
+            </a:r>
+          </a:p>
         </p:txBody>
       </p:sp>
     </p:spTree>
@@ -4573,7 +6457,7 @@
         <p:spPr/>
         <p:txBody>
           <a:bodyPr>
-            <a:normAutofit fontScale="85000" lnSpcReduction="20000"/>
+            <a:normAutofit fontScale="92500" lnSpcReduction="10000"/>
           </a:bodyPr>
           <a:lstStyle/>
           <a:p>
@@ -4619,33 +6503,20 @@
           <a:p>
             <a:r>
               <a:rPr lang="en-US" dirty="0"/>
-              <a:t>The IOT systems usually involve systems less than 48 volts.</a:t>
+              <a:t>If we are dealing with greater than 48 volts, this may be the only solution.</a:t>
+            </a:r>
+          </a:p>
+          <a:p>
+            <a:r>
+              <a:rPr lang="en-US" dirty="0"/>
+              <a:t>My farm irrigation system is based upon a SCADA type solution.</a:t>
             </a:r>
           </a:p>
           <a:p>
             <a:pPr lvl="1"/>
             <a:r>
               <a:rPr lang="en-US" dirty="0"/>
-              <a:t>Should not require a PE license to field these systems.</a:t>
-            </a:r>
-          </a:p>
-          <a:p>
-            <a:r>
-              <a:rPr lang="en-US" dirty="0"/>
-              <a:t>My farm irrigation system is based upon a SCADA type solution.</a:t>
-            </a:r>
-          </a:p>
-          <a:p>
-            <a:pPr lvl="1"/>
-            <a:r>
-              <a:rPr lang="en-US" dirty="0"/>
               <a:t>Took me several years to realize this.</a:t>
-            </a:r>
-          </a:p>
-          <a:p>
-            <a:r>
-              <a:rPr lang="en-US" dirty="0"/>
-              <a:t>The assembly process involves being a low grade electronic cabinet assembler.</a:t>
             </a:r>
           </a:p>
         </p:txBody>
@@ -4685,7 +6556,7 @@
           <p:cNvPr id="2" name="Title 1">
             <a:extLst>
               <a:ext uri="{FF2B5EF4-FFF2-40B4-BE49-F238E27FC236}">
-                <a16:creationId xmlns:a16="http://schemas.microsoft.com/office/drawing/2014/main" id="{14AD15AB-42B8-4C92-9E6D-2D8E1750460A}"/>
+                <a16:creationId xmlns:a16="http://schemas.microsoft.com/office/drawing/2014/main" id="{1A8F2841-E2D1-442C-A1C5-8ECB8DF0F9F4}"/>
               </a:ext>
             </a:extLst>
           </p:cNvPr>
@@ -4696,105 +6567,246 @@
             <p:ph type="title"/>
           </p:nvPr>
         </p:nvSpPr>
-        <p:spPr/>
-        <p:txBody>
-          <a:bodyPr/>
-          <a:lstStyle/>
-          <a:p>
-            <a:r>
-              <a:rPr lang="en-US" dirty="0"/>
-              <a:t>What about other approaches</a:t>
-            </a:r>
-          </a:p>
-        </p:txBody>
-      </p:sp>
-      <p:sp>
-        <p:nvSpPr>
-          <p:cNvPr id="3" name="Content Placeholder 2">
-            <a:extLst>
-              <a:ext uri="{FF2B5EF4-FFF2-40B4-BE49-F238E27FC236}">
-                <a16:creationId xmlns:a16="http://schemas.microsoft.com/office/drawing/2014/main" id="{1F4AC451-9728-4AF2-88E1-83CF99628A77}"/>
-              </a:ext>
-            </a:extLst>
-          </p:cNvPr>
-          <p:cNvSpPr>
-            <a:spLocks noGrp="1"/>
-          </p:cNvSpPr>
-          <p:nvPr>
-            <p:ph idx="1"/>
-          </p:nvPr>
-        </p:nvSpPr>
-        <p:spPr/>
-        <p:txBody>
-          <a:bodyPr/>
-          <a:lstStyle/>
-          <a:p>
-            <a:r>
-              <a:rPr lang="en-US" dirty="0"/>
-              <a:t>The SCADA approach is effective for switching relays and discrete I/O.</a:t>
-            </a:r>
-          </a:p>
-          <a:p>
-            <a:r>
-              <a:rPr lang="en-US" dirty="0"/>
-              <a:t>SCADA approach has limitations.</a:t>
-            </a:r>
-          </a:p>
-          <a:p>
-            <a:pPr lvl="1"/>
-            <a:r>
-              <a:rPr lang="en-US" dirty="0"/>
-              <a:t>Limited Analog Processing</a:t>
-            </a:r>
-          </a:p>
-          <a:p>
-            <a:pPr lvl="1"/>
-            <a:r>
-              <a:rPr lang="en-US" dirty="0"/>
-              <a:t>Analog Capability is expensive.</a:t>
-            </a:r>
-          </a:p>
-          <a:p>
-            <a:pPr lvl="2"/>
-            <a:r>
-              <a:rPr lang="en-US" dirty="0"/>
-              <a:t>PLC’s go from $80 to $200 range.</a:t>
-            </a:r>
-          </a:p>
-          <a:p>
-            <a:pPr lvl="1"/>
-            <a:r>
-              <a:rPr lang="en-US" dirty="0"/>
-              <a:t>I2C and SPI devices are required.</a:t>
-            </a:r>
-          </a:p>
-          <a:p>
-            <a:r>
-              <a:rPr lang="en-US" dirty="0"/>
-              <a:t>We need to produce modules and wiring solutions which are reproduceable and reasonably cheap.</a:t>
-            </a:r>
-          </a:p>
-          <a:p>
-            <a:pPr marL="0" indent="0">
-              <a:buNone/>
-            </a:pPr>
-            <a:endParaRPr lang="en-US" dirty="0"/>
-          </a:p>
-          <a:p>
-            <a:endParaRPr lang="en-US" dirty="0"/>
-          </a:p>
-          <a:p>
-            <a:pPr marL="914400" lvl="2" indent="0">
-              <a:buNone/>
-            </a:pPr>
-            <a:endParaRPr lang="en-US" dirty="0"/>
-          </a:p>
-        </p:txBody>
-      </p:sp>
+        <p:spPr>
+          <a:xfrm>
+            <a:off x="838200" y="128588"/>
+            <a:ext cx="10515600" cy="2221705"/>
+          </a:xfrm>
+        </p:spPr>
+        <p:txBody>
+          <a:bodyPr>
+            <a:normAutofit/>
+          </a:bodyPr>
+          <a:lstStyle/>
+          <a:p>
+            <a:r>
+              <a:rPr lang="en-US" sz="2800" b="1" dirty="0"/>
+              <a:t>Example of a SCADA </a:t>
+            </a:r>
+            <a:r>
+              <a:rPr lang="en-US" sz="2800" b="1" dirty="0" err="1"/>
+              <a:t>Soluton</a:t>
+            </a:r>
+            <a:br>
+              <a:rPr lang="en-US" sz="2200" dirty="0"/>
+            </a:br>
+            <a:r>
+              <a:rPr lang="en-US" sz="2200" b="1" dirty="0"/>
+              <a:t>6 reasons why automation improves beer making</a:t>
+            </a:r>
+            <a:br>
+              <a:rPr lang="en-US" sz="2200" b="1" dirty="0"/>
+            </a:br>
+            <a:r>
+              <a:rPr lang="en-US" sz="2200" b="1" dirty="0"/>
+              <a:t>Application Update: A beer equipment manufacturer uses off-the-shelf automation components to build affordable equipment and systems for craft brewers.</a:t>
+            </a:r>
+            <a:br>
+              <a:rPr lang="en-US" sz="2200" b="1" dirty="0"/>
+            </a:br>
+            <a:r>
+              <a:rPr lang="en-US" sz="1600" dirty="0"/>
+              <a:t>https://www.controleng.com/single-article/6-reasons-why-automation-improves-beer-making/d5a166a19d45cecd32e49a4f1c36f13c.html</a:t>
+            </a:r>
+            <a:br>
+              <a:rPr lang="en-US" dirty="0"/>
+            </a:br>
+            <a:endParaRPr lang="en-US" sz="1200" dirty="0"/>
+          </a:p>
+        </p:txBody>
+      </p:sp>
+      <p:pic>
+        <p:nvPicPr>
+          <p:cNvPr id="16" name="Picture 15">
+            <a:extLst>
+              <a:ext uri="{FF2B5EF4-FFF2-40B4-BE49-F238E27FC236}">
+                <a16:creationId xmlns:a16="http://schemas.microsoft.com/office/drawing/2014/main" id="{039C5872-FFDF-41A4-A804-171C1906C8EC}"/>
+              </a:ext>
+            </a:extLst>
+          </p:cNvPr>
+          <p:cNvPicPr>
+            <a:picLocks noChangeAspect="1"/>
+          </p:cNvPicPr>
+          <p:nvPr/>
+        </p:nvPicPr>
+        <p:blipFill>
+          <a:blip r:embed="rId2">
+            <a:extLst>
+              <a:ext uri="{28A0092B-C50C-407E-A947-70E740481C1C}">
+                <a14:useLocalDpi xmlns:a14="http://schemas.microsoft.com/office/drawing/2010/main" val="0"/>
+              </a:ext>
+            </a:extLst>
+          </a:blip>
+          <a:stretch>
+            <a:fillRect/>
+          </a:stretch>
+        </p:blipFill>
+        <p:spPr>
+          <a:xfrm>
+            <a:off x="639763" y="2350293"/>
+            <a:ext cx="2540000" cy="3810000"/>
+          </a:xfrm>
+          <a:prstGeom prst="rect">
+            <a:avLst/>
+          </a:prstGeom>
+        </p:spPr>
+      </p:pic>
+      <p:pic>
+        <p:nvPicPr>
+          <p:cNvPr id="20" name="Picture 19">
+            <a:extLst>
+              <a:ext uri="{FF2B5EF4-FFF2-40B4-BE49-F238E27FC236}">
+                <a16:creationId xmlns:a16="http://schemas.microsoft.com/office/drawing/2014/main" id="{B983AF60-48F5-44F8-9D45-4C7C2734370B}"/>
+              </a:ext>
+            </a:extLst>
+          </p:cNvPr>
+          <p:cNvPicPr>
+            <a:picLocks noChangeAspect="1"/>
+          </p:cNvPicPr>
+          <p:nvPr/>
+        </p:nvPicPr>
+        <p:blipFill>
+          <a:blip r:embed="rId3">
+            <a:extLst>
+              <a:ext uri="{28A0092B-C50C-407E-A947-70E740481C1C}">
+                <a14:useLocalDpi xmlns:a14="http://schemas.microsoft.com/office/drawing/2010/main" val="0"/>
+              </a:ext>
+            </a:extLst>
+          </a:blip>
+          <a:stretch>
+            <a:fillRect/>
+          </a:stretch>
+        </p:blipFill>
+        <p:spPr>
+          <a:xfrm>
+            <a:off x="8808640" y="3293268"/>
+            <a:ext cx="3383360" cy="2436019"/>
+          </a:xfrm>
+          <a:prstGeom prst="rect">
+            <a:avLst/>
+          </a:prstGeom>
+        </p:spPr>
+      </p:pic>
+      <p:pic>
+        <p:nvPicPr>
+          <p:cNvPr id="22" name="Picture 21">
+            <a:extLst>
+              <a:ext uri="{FF2B5EF4-FFF2-40B4-BE49-F238E27FC236}">
+                <a16:creationId xmlns:a16="http://schemas.microsoft.com/office/drawing/2014/main" id="{8268A816-6D63-4BA0-9074-84CDD79A59A8}"/>
+              </a:ext>
+            </a:extLst>
+          </p:cNvPr>
+          <p:cNvPicPr>
+            <a:picLocks noChangeAspect="1"/>
+          </p:cNvPicPr>
+          <p:nvPr/>
+        </p:nvPicPr>
+        <p:blipFill>
+          <a:blip r:embed="rId4">
+            <a:extLst>
+              <a:ext uri="{28A0092B-C50C-407E-A947-70E740481C1C}">
+                <a14:useLocalDpi xmlns:a14="http://schemas.microsoft.com/office/drawing/2010/main" val="0"/>
+              </a:ext>
+            </a:extLst>
+          </a:blip>
+          <a:stretch>
+            <a:fillRect/>
+          </a:stretch>
+        </p:blipFill>
+        <p:spPr>
+          <a:xfrm>
+            <a:off x="3320256" y="2471738"/>
+            <a:ext cx="5080000" cy="2857500"/>
+          </a:xfrm>
+          <a:prstGeom prst="rect">
+            <a:avLst/>
+          </a:prstGeom>
+        </p:spPr>
+      </p:pic>
+      <p:sp>
+        <p:nvSpPr>
+          <p:cNvPr id="23" name="TextBox 22">
+            <a:extLst>
+              <a:ext uri="{FF2B5EF4-FFF2-40B4-BE49-F238E27FC236}">
+                <a16:creationId xmlns:a16="http://schemas.microsoft.com/office/drawing/2014/main" id="{A4A17AB8-3DDC-4A22-8C53-18B0B19323DF}"/>
+              </a:ext>
+            </a:extLst>
+          </p:cNvPr>
+          <p:cNvSpPr txBox="1"/>
+          <p:nvPr/>
+        </p:nvSpPr>
+        <p:spPr>
+          <a:xfrm>
+            <a:off x="3750469" y="5922169"/>
+            <a:ext cx="3074240" cy="646331"/>
+          </a:xfrm>
+          <a:prstGeom prst="rect">
+            <a:avLst/>
+          </a:prstGeom>
+          <a:noFill/>
+        </p:spPr>
+        <p:txBody>
+          <a:bodyPr wrap="none" rtlCol="0">
+            <a:spAutoFit/>
+          </a:bodyPr>
+          <a:lstStyle/>
+          <a:p>
+            <a:r>
+              <a:rPr lang="en-US" dirty="0"/>
+              <a:t>$80 dollar PLC</a:t>
+            </a:r>
+          </a:p>
+          <a:p>
+            <a:r>
+              <a:rPr lang="en-US" dirty="0"/>
+              <a:t>Expansion Modules ~ $50 Each</a:t>
+            </a:r>
+          </a:p>
+        </p:txBody>
+      </p:sp>
+      <p:cxnSp>
+        <p:nvCxnSpPr>
+          <p:cNvPr id="27" name="Straight Arrow Connector 26">
+            <a:extLst>
+              <a:ext uri="{FF2B5EF4-FFF2-40B4-BE49-F238E27FC236}">
+                <a16:creationId xmlns:a16="http://schemas.microsoft.com/office/drawing/2014/main" id="{2B28DA30-EF70-4C0C-954B-D453AAA17E8F}"/>
+              </a:ext>
+            </a:extLst>
+          </p:cNvPr>
+          <p:cNvCxnSpPr/>
+          <p:nvPr/>
+        </p:nvCxnSpPr>
+        <p:spPr>
+          <a:xfrm flipV="1">
+            <a:off x="5557838" y="5457825"/>
+            <a:ext cx="114300" cy="550069"/>
+          </a:xfrm>
+          <a:prstGeom prst="straightConnector1">
+            <a:avLst/>
+          </a:prstGeom>
+          <a:ln>
+            <a:tailEnd type="triangle"/>
+          </a:ln>
+        </p:spPr>
+        <p:style>
+          <a:lnRef idx="1">
+            <a:schemeClr val="accent1"/>
+          </a:lnRef>
+          <a:fillRef idx="0">
+            <a:schemeClr val="accent1"/>
+          </a:fillRef>
+          <a:effectRef idx="0">
+            <a:schemeClr val="accent1"/>
+          </a:effectRef>
+          <a:fontRef idx="minor">
+            <a:schemeClr val="tx1"/>
+          </a:fontRef>
+        </p:style>
+      </p:cxnSp>
     </p:spTree>
     <p:extLst>
       <p:ext uri="{BB962C8B-B14F-4D97-AF65-F5344CB8AC3E}">
-        <p14:creationId xmlns:p14="http://schemas.microsoft.com/office/powerpoint/2010/main" val="1338324095"/>
+        <p14:creationId xmlns:p14="http://schemas.microsoft.com/office/powerpoint/2010/main" val="2642445387"/>
       </p:ext>
     </p:extLst>
   </p:cSld>
@@ -4826,7 +6838,7 @@
           <p:cNvPr id="2" name="Title 1">
             <a:extLst>
               <a:ext uri="{FF2B5EF4-FFF2-40B4-BE49-F238E27FC236}">
-                <a16:creationId xmlns:a16="http://schemas.microsoft.com/office/drawing/2014/main" id="{81BC5AB3-E5DF-43F2-A4C0-4830DE9E5FAF}"/>
+                <a16:creationId xmlns:a16="http://schemas.microsoft.com/office/drawing/2014/main" id="{022DDF9E-E105-40E7-8A14-F14C1AB199FA}"/>
               </a:ext>
             </a:extLst>
           </p:cNvPr>
@@ -4844,67 +6856,299 @@
           <a:p>
             <a:r>
               <a:rPr lang="en-US" dirty="0"/>
-              <a:t>Rule #1 3X Markup</a:t>
-            </a:r>
-          </a:p>
-        </p:txBody>
-      </p:sp>
-      <p:sp>
-        <p:nvSpPr>
-          <p:cNvPr id="3" name="Content Placeholder 2">
-            <a:extLst>
-              <a:ext uri="{FF2B5EF4-FFF2-40B4-BE49-F238E27FC236}">
-                <a16:creationId xmlns:a16="http://schemas.microsoft.com/office/drawing/2014/main" id="{B226954A-CC9F-4728-B551-B269B617BCD9}"/>
-              </a:ext>
-            </a:extLst>
-          </p:cNvPr>
-          <p:cNvSpPr>
-            <a:spLocks noGrp="1"/>
-          </p:cNvSpPr>
-          <p:nvPr>
-            <p:ph idx="1"/>
-          </p:nvPr>
-        </p:nvSpPr>
-        <p:spPr/>
-        <p:txBody>
-          <a:bodyPr/>
-          <a:lstStyle/>
-          <a:p>
-            <a:r>
-              <a:rPr lang="en-US" dirty="0"/>
-              <a:t>Do not apply the 3X Markup to hardware items that are purchased.</a:t>
-            </a:r>
-          </a:p>
-          <a:p>
-            <a:pPr lvl="1"/>
-            <a:r>
-              <a:rPr lang="en-US" dirty="0"/>
-              <a:t>Many companies collapsed under that rule.</a:t>
-            </a:r>
-          </a:p>
-          <a:p>
-            <a:r>
-              <a:rPr lang="en-US" dirty="0"/>
-              <a:t>Corollary</a:t>
-            </a:r>
-          </a:p>
-          <a:p>
-            <a:pPr lvl="1"/>
-            <a:r>
-              <a:rPr lang="en-US" dirty="0"/>
-              <a:t>Only develop what is required.</a:t>
-            </a:r>
-          </a:p>
-          <a:p>
-            <a:r>
-              <a:rPr lang="en-US" dirty="0"/>
-              <a:t>Find bread boards which can be used for multirole purposes.</a:t>
-            </a:r>
-          </a:p>
-          <a:p>
-            <a:r>
-              <a:rPr lang="en-US" dirty="0"/>
-              <a:t>Two examples are shown in the following pages.</a:t>
+              <a:t>Essence of Solution</a:t>
+            </a:r>
+          </a:p>
+        </p:txBody>
+      </p:sp>
+      <p:sp>
+        <p:nvSpPr>
+          <p:cNvPr id="7" name="TextBox 6">
+            <a:extLst>
+              <a:ext uri="{FF2B5EF4-FFF2-40B4-BE49-F238E27FC236}">
+                <a16:creationId xmlns:a16="http://schemas.microsoft.com/office/drawing/2014/main" id="{33E13D52-6EDE-4879-926C-EE9F771AF795}"/>
+              </a:ext>
+            </a:extLst>
+          </p:cNvPr>
+          <p:cNvSpPr txBox="1"/>
+          <p:nvPr/>
+        </p:nvSpPr>
+        <p:spPr>
+          <a:xfrm>
+            <a:off x="4807743" y="3400425"/>
+            <a:ext cx="2078831" cy="830997"/>
+          </a:xfrm>
+          <a:prstGeom prst="rect">
+            <a:avLst/>
+          </a:prstGeom>
+          <a:solidFill>
+            <a:schemeClr val="bg2"/>
+          </a:solidFill>
+          <a:ln>
+            <a:solidFill>
+              <a:schemeClr val="tx1"/>
+            </a:solidFill>
+          </a:ln>
+        </p:spPr>
+        <p:txBody>
+          <a:bodyPr wrap="square" rtlCol="0">
+            <a:spAutoFit/>
+          </a:bodyPr>
+          <a:lstStyle/>
+          <a:p>
+            <a:r>
+              <a:rPr lang="en-US" sz="2400" dirty="0"/>
+              <a:t>Low Cost </a:t>
+            </a:r>
+          </a:p>
+          <a:p>
+            <a:r>
+              <a:rPr lang="en-US" sz="2400" dirty="0"/>
+              <a:t>PLC’s</a:t>
+            </a:r>
+          </a:p>
+        </p:txBody>
+      </p:sp>
+      <p:sp>
+        <p:nvSpPr>
+          <p:cNvPr id="9" name="TextBox 8">
+            <a:extLst>
+              <a:ext uri="{FF2B5EF4-FFF2-40B4-BE49-F238E27FC236}">
+                <a16:creationId xmlns:a16="http://schemas.microsoft.com/office/drawing/2014/main" id="{5D8A98DD-7E43-43F9-8E3E-CC2EADF37EB0}"/>
+              </a:ext>
+            </a:extLst>
+          </p:cNvPr>
+          <p:cNvSpPr txBox="1"/>
+          <p:nvPr/>
+        </p:nvSpPr>
+        <p:spPr>
+          <a:xfrm>
+            <a:off x="4564856" y="1857375"/>
+            <a:ext cx="2078831" cy="646331"/>
+          </a:xfrm>
+          <a:prstGeom prst="rect">
+            <a:avLst/>
+          </a:prstGeom>
+          <a:solidFill>
+            <a:schemeClr val="bg2"/>
+          </a:solidFill>
+          <a:ln>
+            <a:solidFill>
+              <a:schemeClr val="tx1"/>
+            </a:solidFill>
+          </a:ln>
+        </p:spPr>
+        <p:txBody>
+          <a:bodyPr wrap="square" rtlCol="0">
+            <a:spAutoFit/>
+          </a:bodyPr>
+          <a:lstStyle/>
+          <a:p>
+            <a:r>
+              <a:rPr lang="en-US" dirty="0"/>
+              <a:t>Proprietary</a:t>
+            </a:r>
+          </a:p>
+          <a:p>
+            <a:r>
+              <a:rPr lang="en-US" dirty="0"/>
+              <a:t>SCADA</a:t>
+            </a:r>
+          </a:p>
+        </p:txBody>
+      </p:sp>
+      <p:cxnSp>
+        <p:nvCxnSpPr>
+          <p:cNvPr id="11" name="Connector: Elbow 10">
+            <a:extLst>
+              <a:ext uri="{FF2B5EF4-FFF2-40B4-BE49-F238E27FC236}">
+                <a16:creationId xmlns:a16="http://schemas.microsoft.com/office/drawing/2014/main" id="{41AB8A2E-BA4E-4D15-84ED-65C726C1BFFF}"/>
+              </a:ext>
+            </a:extLst>
+          </p:cNvPr>
+          <p:cNvCxnSpPr/>
+          <p:nvPr/>
+        </p:nvCxnSpPr>
+        <p:spPr>
+          <a:xfrm rot="16200000" flipH="1">
+            <a:off x="4995178" y="2844909"/>
+            <a:ext cx="925294" cy="242888"/>
+          </a:xfrm>
+          <a:prstGeom prst="bentConnector3">
+            <a:avLst/>
+          </a:prstGeom>
+          <a:ln>
+            <a:tailEnd type="triangle"/>
+          </a:ln>
+        </p:spPr>
+        <p:style>
+          <a:lnRef idx="1">
+            <a:schemeClr val="accent1"/>
+          </a:lnRef>
+          <a:fillRef idx="0">
+            <a:schemeClr val="accent1"/>
+          </a:fillRef>
+          <a:effectRef idx="0">
+            <a:schemeClr val="accent1"/>
+          </a:effectRef>
+          <a:fontRef idx="minor">
+            <a:schemeClr val="tx1"/>
+          </a:fontRef>
+        </p:style>
+      </p:cxnSp>
+      <p:sp>
+        <p:nvSpPr>
+          <p:cNvPr id="12" name="TextBox 11">
+            <a:extLst>
+              <a:ext uri="{FF2B5EF4-FFF2-40B4-BE49-F238E27FC236}">
+                <a16:creationId xmlns:a16="http://schemas.microsoft.com/office/drawing/2014/main" id="{B7F389DC-2DA2-4D55-8E6B-47561CAA063F}"/>
+              </a:ext>
+            </a:extLst>
+          </p:cNvPr>
+          <p:cNvSpPr txBox="1"/>
+          <p:nvPr/>
+        </p:nvSpPr>
+        <p:spPr>
+          <a:xfrm>
+            <a:off x="5847158" y="2781686"/>
+            <a:ext cx="1529586" cy="369332"/>
+          </a:xfrm>
+          <a:prstGeom prst="rect">
+            <a:avLst/>
+          </a:prstGeom>
+          <a:noFill/>
+        </p:spPr>
+        <p:txBody>
+          <a:bodyPr wrap="none" rtlCol="0">
+            <a:spAutoFit/>
+          </a:bodyPr>
+          <a:lstStyle/>
+          <a:p>
+            <a:r>
+              <a:rPr lang="en-US" dirty="0"/>
+              <a:t>Serial Modbus</a:t>
+            </a:r>
+          </a:p>
+        </p:txBody>
+      </p:sp>
+      <p:cxnSp>
+        <p:nvCxnSpPr>
+          <p:cNvPr id="14" name="Connector: Elbow 13">
+            <a:extLst>
+              <a:ext uri="{FF2B5EF4-FFF2-40B4-BE49-F238E27FC236}">
+                <a16:creationId xmlns:a16="http://schemas.microsoft.com/office/drawing/2014/main" id="{7917F51B-EB40-4DBE-BD7B-B94ECC6C9E79}"/>
+              </a:ext>
+            </a:extLst>
+          </p:cNvPr>
+          <p:cNvCxnSpPr/>
+          <p:nvPr/>
+        </p:nvCxnSpPr>
+        <p:spPr>
+          <a:xfrm>
+            <a:off x="6643687" y="1954381"/>
+            <a:ext cx="2193132" cy="12700"/>
+          </a:xfrm>
+          <a:prstGeom prst="bentConnector3">
+            <a:avLst/>
+          </a:prstGeom>
+          <a:ln>
+            <a:tailEnd type="triangle"/>
+          </a:ln>
+        </p:spPr>
+        <p:style>
+          <a:lnRef idx="1">
+            <a:schemeClr val="accent1"/>
+          </a:lnRef>
+          <a:fillRef idx="0">
+            <a:schemeClr val="accent1"/>
+          </a:fillRef>
+          <a:effectRef idx="0">
+            <a:schemeClr val="accent1"/>
+          </a:effectRef>
+          <a:fontRef idx="minor">
+            <a:schemeClr val="tx1"/>
+          </a:fontRef>
+        </p:style>
+      </p:cxnSp>
+      <p:sp>
+        <p:nvSpPr>
+          <p:cNvPr id="15" name="TextBox 14">
+            <a:extLst>
+              <a:ext uri="{FF2B5EF4-FFF2-40B4-BE49-F238E27FC236}">
+                <a16:creationId xmlns:a16="http://schemas.microsoft.com/office/drawing/2014/main" id="{4D706E2A-C7E0-4D11-B583-34AEB7016177}"/>
+              </a:ext>
+            </a:extLst>
+          </p:cNvPr>
+          <p:cNvSpPr txBox="1"/>
+          <p:nvPr/>
+        </p:nvSpPr>
+        <p:spPr>
+          <a:xfrm>
+            <a:off x="8901113" y="1643915"/>
+            <a:ext cx="1499128" cy="646331"/>
+          </a:xfrm>
+          <a:prstGeom prst="rect">
+            <a:avLst/>
+          </a:prstGeom>
+          <a:solidFill>
+            <a:schemeClr val="bg2"/>
+          </a:solidFill>
+          <a:ln>
+            <a:solidFill>
+              <a:schemeClr val="tx1"/>
+            </a:solidFill>
+          </a:ln>
+        </p:spPr>
+        <p:txBody>
+          <a:bodyPr wrap="none" rtlCol="0">
+            <a:spAutoFit/>
+          </a:bodyPr>
+          <a:lstStyle/>
+          <a:p>
+            <a:r>
+              <a:rPr lang="en-US" dirty="0"/>
+              <a:t>Mobile Phone</a:t>
+            </a:r>
+          </a:p>
+          <a:p>
+            <a:r>
+              <a:rPr lang="en-US" dirty="0"/>
+              <a:t>Tablets</a:t>
+            </a:r>
+          </a:p>
+        </p:txBody>
+      </p:sp>
+      <p:sp>
+        <p:nvSpPr>
+          <p:cNvPr id="16" name="TextBox 15">
+            <a:extLst>
+              <a:ext uri="{FF2B5EF4-FFF2-40B4-BE49-F238E27FC236}">
+                <a16:creationId xmlns:a16="http://schemas.microsoft.com/office/drawing/2014/main" id="{8B96EF08-3E7B-4594-812F-2130C507E767}"/>
+              </a:ext>
+            </a:extLst>
+          </p:cNvPr>
+          <p:cNvSpPr txBox="1"/>
+          <p:nvPr/>
+        </p:nvSpPr>
+        <p:spPr>
+          <a:xfrm>
+            <a:off x="6886574" y="1164431"/>
+            <a:ext cx="611065" cy="369332"/>
+          </a:xfrm>
+          <a:prstGeom prst="rect">
+            <a:avLst/>
+          </a:prstGeom>
+          <a:noFill/>
+        </p:spPr>
+        <p:txBody>
+          <a:bodyPr wrap="none" rtlCol="0">
+            <a:spAutoFit/>
+          </a:bodyPr>
+          <a:lstStyle/>
+          <a:p>
+            <a:r>
+              <a:rPr lang="en-US" dirty="0"/>
+              <a:t>WIFI</a:t>
             </a:r>
           </a:p>
         </p:txBody>
@@ -4912,7 +7156,7 @@
     </p:spTree>
     <p:extLst>
       <p:ext uri="{BB962C8B-B14F-4D97-AF65-F5344CB8AC3E}">
-        <p14:creationId xmlns:p14="http://schemas.microsoft.com/office/powerpoint/2010/main" val="968041636"/>
+        <p14:creationId xmlns:p14="http://schemas.microsoft.com/office/powerpoint/2010/main" val="2011180159"/>
       </p:ext>
     </p:extLst>
   </p:cSld>
@@ -4944,7 +7188,7 @@
           <p:cNvPr id="2" name="Title 1">
             <a:extLst>
               <a:ext uri="{FF2B5EF4-FFF2-40B4-BE49-F238E27FC236}">
-                <a16:creationId xmlns:a16="http://schemas.microsoft.com/office/drawing/2014/main" id="{71996C65-667F-4BCB-9E66-CC4A50367D31}"/>
+                <a16:creationId xmlns:a16="http://schemas.microsoft.com/office/drawing/2014/main" id="{99C35C8D-0F32-42E4-BE70-EFCAFE677C1B}"/>
               </a:ext>
             </a:extLst>
           </p:cNvPr>
@@ -4962,66 +7206,60 @@
           <a:p>
             <a:r>
               <a:rPr lang="en-US" dirty="0"/>
-              <a:t>PSOC 4</a:t>
-            </a:r>
-          </a:p>
-        </p:txBody>
-      </p:sp>
-      <p:pic>
-        <p:nvPicPr>
-          <p:cNvPr id="1026" name="Picture 2" descr="https://encrypted-tbn2.gstatic.com/shopping?q=tbn:ANd9GcSYrdi5RVnQjtJPH9c1iPoSlO5bRQq3bMwBRjTPFCvFLELmbnk&amp;usqp=CAY">
-            <a:extLst>
-              <a:ext uri="{FF2B5EF4-FFF2-40B4-BE49-F238E27FC236}">
-                <a16:creationId xmlns:a16="http://schemas.microsoft.com/office/drawing/2014/main" id="{EB5EA0BE-EA50-42C1-808B-94BCAFC38154}"/>
-              </a:ext>
-            </a:extLst>
-          </p:cNvPr>
-          <p:cNvPicPr>
-            <a:picLocks noGrp="1" noChangeAspect="1" noChangeArrowheads="1"/>
-          </p:cNvPicPr>
-          <p:nvPr>
-            <p:ph idx="1"/>
-          </p:nvPr>
-        </p:nvPicPr>
-        <p:blipFill>
-          <a:blip r:embed="rId2">
-            <a:extLst>
-              <a:ext uri="{28A0092B-C50C-407E-A947-70E740481C1C}">
-                <a14:useLocalDpi xmlns:a14="http://schemas.microsoft.com/office/drawing/2010/main" val="0"/>
-              </a:ext>
-            </a:extLst>
-          </a:blip>
-          <a:srcRect/>
-          <a:stretch>
-            <a:fillRect/>
-          </a:stretch>
-        </p:blipFill>
-        <p:spPr bwMode="auto">
+              <a:t>My Solution that I used on my farm</a:t>
+            </a:r>
+          </a:p>
+        </p:txBody>
+      </p:sp>
+      <p:sp>
+        <p:nvSpPr>
+          <p:cNvPr id="4" name="TextBox 3">
+            <a:extLst>
+              <a:ext uri="{FF2B5EF4-FFF2-40B4-BE49-F238E27FC236}">
+                <a16:creationId xmlns:a16="http://schemas.microsoft.com/office/drawing/2014/main" id="{C8C762C8-4CBC-4728-90DE-AE6F6205CB2E}"/>
+              </a:ext>
+            </a:extLst>
+          </p:cNvPr>
+          <p:cNvSpPr txBox="1"/>
+          <p:nvPr/>
+        </p:nvSpPr>
+        <p:spPr>
           <a:xfrm>
-            <a:off x="3920331" y="1825625"/>
-            <a:ext cx="4351338" cy="4351338"/>
+            <a:off x="2850356" y="1843088"/>
+            <a:ext cx="2364582" cy="646331"/>
           </a:xfrm>
           <a:prstGeom prst="rect">
             <a:avLst/>
           </a:prstGeom>
-          <a:noFill/>
-          <a:extLst>
-            <a:ext uri="{909E8E84-426E-40DD-AFC4-6F175D3DCCD1}">
-              <a14:hiddenFill xmlns:a14="http://schemas.microsoft.com/office/drawing/2010/main">
-                <a:solidFill>
-                  <a:srgbClr val="FFFFFF"/>
-                </a:solidFill>
-              </a14:hiddenFill>
-            </a:ext>
-          </a:extLst>
+          <a:solidFill>
+            <a:schemeClr val="bg2"/>
+          </a:solidFill>
         </p:spPr>
-      </p:pic>
-      <p:sp>
-        <p:nvSpPr>
-          <p:cNvPr id="8" name="TextBox 7">
-            <a:extLst>
-              <a:ext uri="{FF2B5EF4-FFF2-40B4-BE49-F238E27FC236}">
-                <a16:creationId xmlns:a16="http://schemas.microsoft.com/office/drawing/2014/main" id="{EAB14D6E-91ED-4F73-A286-488EF82517E3}"/>
+        <p:txBody>
+          <a:bodyPr wrap="square" rtlCol="0">
+            <a:spAutoFit/>
+          </a:bodyPr>
+          <a:lstStyle/>
+          <a:p>
+            <a:r>
+              <a:rPr lang="en-US" dirty="0"/>
+              <a:t>Cloud Services</a:t>
+            </a:r>
+          </a:p>
+          <a:p>
+            <a:r>
+              <a:rPr lang="en-US" dirty="0"/>
+              <a:t>Open Source</a:t>
+            </a:r>
+          </a:p>
+        </p:txBody>
+      </p:sp>
+      <p:sp>
+        <p:nvSpPr>
+          <p:cNvPr id="5" name="TextBox 4">
+            <a:extLst>
+              <a:ext uri="{FF2B5EF4-FFF2-40B4-BE49-F238E27FC236}">
+                <a16:creationId xmlns:a16="http://schemas.microsoft.com/office/drawing/2014/main" id="{F3FABA0C-62B2-45A6-B083-9B01CD48F549}"/>
               </a:ext>
             </a:extLst>
           </p:cNvPr>
@@ -5030,8 +7268,173 @@
         </p:nvSpPr>
         <p:spPr>
           <a:xfrm>
-            <a:off x="692944" y="2035969"/>
-            <a:ext cx="3143250" cy="2308324"/>
+            <a:off x="2757488" y="3168651"/>
+            <a:ext cx="2221706" cy="646331"/>
+          </a:xfrm>
+          <a:prstGeom prst="rect">
+            <a:avLst/>
+          </a:prstGeom>
+          <a:solidFill>
+            <a:schemeClr val="bg2"/>
+          </a:solidFill>
+          <a:ln>
+            <a:solidFill>
+              <a:schemeClr val="accent1"/>
+            </a:solidFill>
+          </a:ln>
+        </p:spPr>
+        <p:txBody>
+          <a:bodyPr wrap="square" rtlCol="0">
+            <a:spAutoFit/>
+          </a:bodyPr>
+          <a:lstStyle/>
+          <a:p>
+            <a:r>
+              <a:rPr lang="en-US" dirty="0"/>
+              <a:t>Nano Data Center</a:t>
+            </a:r>
+          </a:p>
+          <a:p>
+            <a:r>
+              <a:rPr lang="en-US" dirty="0"/>
+              <a:t>Open Source </a:t>
+            </a:r>
+          </a:p>
+        </p:txBody>
+      </p:sp>
+      <p:sp>
+        <p:nvSpPr>
+          <p:cNvPr id="6" name="TextBox 5">
+            <a:extLst>
+              <a:ext uri="{FF2B5EF4-FFF2-40B4-BE49-F238E27FC236}">
+                <a16:creationId xmlns:a16="http://schemas.microsoft.com/office/drawing/2014/main" id="{92573544-7825-465C-825D-5E38E5F409DD}"/>
+              </a:ext>
+            </a:extLst>
+          </p:cNvPr>
+          <p:cNvSpPr txBox="1"/>
+          <p:nvPr/>
+        </p:nvSpPr>
+        <p:spPr>
+          <a:xfrm>
+            <a:off x="1643063" y="4750594"/>
+            <a:ext cx="2871787" cy="646331"/>
+          </a:xfrm>
+          <a:prstGeom prst="rect">
+            <a:avLst/>
+          </a:prstGeom>
+          <a:solidFill>
+            <a:schemeClr val="bg2"/>
+          </a:solidFill>
+        </p:spPr>
+        <p:txBody>
+          <a:bodyPr wrap="square" rtlCol="0">
+            <a:spAutoFit/>
+          </a:bodyPr>
+          <a:lstStyle/>
+          <a:p>
+            <a:r>
+              <a:rPr lang="en-US" dirty="0"/>
+              <a:t>Low Cost PLC and other devices</a:t>
+            </a:r>
+          </a:p>
+        </p:txBody>
+      </p:sp>
+      <p:cxnSp>
+        <p:nvCxnSpPr>
+          <p:cNvPr id="8" name="Connector: Elbow 7">
+            <a:extLst>
+              <a:ext uri="{FF2B5EF4-FFF2-40B4-BE49-F238E27FC236}">
+                <a16:creationId xmlns:a16="http://schemas.microsoft.com/office/drawing/2014/main" id="{9C44EFCF-ACBD-40F8-BAB7-13568B0604C3}"/>
+              </a:ext>
+            </a:extLst>
+          </p:cNvPr>
+          <p:cNvCxnSpPr/>
+          <p:nvPr/>
+        </p:nvCxnSpPr>
+        <p:spPr>
+          <a:xfrm rot="5400000">
+            <a:off x="2882613" y="4118482"/>
+            <a:ext cx="871318" cy="264318"/>
+          </a:xfrm>
+          <a:prstGeom prst="bentConnector3">
+            <a:avLst/>
+          </a:prstGeom>
+          <a:ln>
+            <a:tailEnd type="triangle"/>
+          </a:ln>
+        </p:spPr>
+        <p:style>
+          <a:lnRef idx="1">
+            <a:schemeClr val="accent1"/>
+          </a:lnRef>
+          <a:fillRef idx="0">
+            <a:schemeClr val="accent1"/>
+          </a:fillRef>
+          <a:effectRef idx="0">
+            <a:schemeClr val="accent1"/>
+          </a:effectRef>
+          <a:fontRef idx="minor">
+            <a:schemeClr val="tx1"/>
+          </a:fontRef>
+        </p:style>
+      </p:cxnSp>
+      <p:cxnSp>
+        <p:nvCxnSpPr>
+          <p:cNvPr id="10" name="Connector: Elbow 9">
+            <a:extLst>
+              <a:ext uri="{FF2B5EF4-FFF2-40B4-BE49-F238E27FC236}">
+                <a16:creationId xmlns:a16="http://schemas.microsoft.com/office/drawing/2014/main" id="{A605EC0F-8CB1-4FCC-86EF-A02AE3D5E576}"/>
+              </a:ext>
+            </a:extLst>
+          </p:cNvPr>
+          <p:cNvCxnSpPr>
+            <a:endCxn id="5" idx="0"/>
+          </p:cNvCxnSpPr>
+          <p:nvPr/>
+        </p:nvCxnSpPr>
+        <p:spPr>
+          <a:xfrm rot="5400000">
+            <a:off x="3534083" y="2823678"/>
+            <a:ext cx="679232" cy="10715"/>
+          </a:xfrm>
+          <a:prstGeom prst="bentConnector3">
+            <a:avLst/>
+          </a:prstGeom>
+          <a:ln>
+            <a:tailEnd type="triangle"/>
+          </a:ln>
+        </p:spPr>
+        <p:style>
+          <a:lnRef idx="1">
+            <a:schemeClr val="accent1"/>
+          </a:lnRef>
+          <a:fillRef idx="0">
+            <a:schemeClr val="accent1"/>
+          </a:fillRef>
+          <a:effectRef idx="0">
+            <a:schemeClr val="accent1"/>
+          </a:effectRef>
+          <a:fontRef idx="minor">
+            <a:schemeClr val="tx1"/>
+          </a:fontRef>
+        </p:style>
+      </p:cxnSp>
+      <p:sp>
+        <p:nvSpPr>
+          <p:cNvPr id="11" name="TextBox 10">
+            <a:extLst>
+              <a:ext uri="{FF2B5EF4-FFF2-40B4-BE49-F238E27FC236}">
+                <a16:creationId xmlns:a16="http://schemas.microsoft.com/office/drawing/2014/main" id="{DBE5325F-5336-4407-BC95-70C29DA57797}"/>
+              </a:ext>
+            </a:extLst>
+          </p:cNvPr>
+          <p:cNvSpPr txBox="1"/>
+          <p:nvPr/>
+        </p:nvSpPr>
+        <p:spPr>
+          <a:xfrm>
+            <a:off x="3957638" y="4236244"/>
+            <a:ext cx="1529586" cy="369332"/>
           </a:xfrm>
           <a:prstGeom prst="rect">
             <a:avLst/>
@@ -5039,29 +7442,14 @@
           <a:noFill/>
         </p:spPr>
         <p:txBody>
-          <a:bodyPr wrap="square" rtlCol="0">
+          <a:bodyPr wrap="none" rtlCol="0">
             <a:spAutoFit/>
           </a:bodyPr>
           <a:lstStyle/>
           <a:p>
             <a:r>
               <a:rPr lang="en-US" dirty="0"/>
-              <a:t>The PSOC 4 is less than $5.00 from arrow ( orders over $20.00 ship overnight free)</a:t>
-            </a:r>
-          </a:p>
-          <a:p>
-            <a:r>
-              <a:rPr lang="en-US" dirty="0"/>
-              <a:t>For units over 1000 the price is $3.50 from Cypress.</a:t>
-            </a:r>
-          </a:p>
-          <a:p>
-            <a:endParaRPr lang="en-US" dirty="0"/>
-          </a:p>
-          <a:p>
-            <a:r>
-              <a:rPr lang="en-US" dirty="0"/>
-              <a:t>Free Development tools from cypress.</a:t>
+              <a:t>Serial Modbus</a:t>
             </a:r>
           </a:p>
         </p:txBody>
@@ -5069,7 +7457,7 @@
     </p:spTree>
     <p:extLst>
       <p:ext uri="{BB962C8B-B14F-4D97-AF65-F5344CB8AC3E}">
-        <p14:creationId xmlns:p14="http://schemas.microsoft.com/office/powerpoint/2010/main" val="2835219066"/>
+        <p14:creationId xmlns:p14="http://schemas.microsoft.com/office/powerpoint/2010/main" val="304086071"/>
       </p:ext>
     </p:extLst>
   </p:cSld>
@@ -5101,7 +7489,7 @@
           <p:cNvPr id="2" name="Title 1">
             <a:extLst>
               <a:ext uri="{FF2B5EF4-FFF2-40B4-BE49-F238E27FC236}">
-                <a16:creationId xmlns:a16="http://schemas.microsoft.com/office/drawing/2014/main" id="{4931B488-1096-490C-9470-47988750D140}"/>
+                <a16:creationId xmlns:a16="http://schemas.microsoft.com/office/drawing/2014/main" id="{94875BBF-4887-4262-9176-BFAAF704D6C0}"/>
               </a:ext>
             </a:extLst>
           </p:cNvPr>
@@ -5119,22 +7507,22 @@
           <a:p>
             <a:r>
               <a:rPr lang="en-US" dirty="0"/>
-              <a:t>PSOC 5</a:t>
+              <a:t>Need to make a scaled down PLC Cabinet</a:t>
             </a:r>
           </a:p>
         </p:txBody>
       </p:sp>
       <p:pic>
         <p:nvPicPr>
-          <p:cNvPr id="2050" name="Picture 2" descr="https://media.digikey.com/Photos/Cypress%20Semi%20Photos/MFG_CY8CKIT-059.jpg">
-            <a:extLst>
-              <a:ext uri="{FF2B5EF4-FFF2-40B4-BE49-F238E27FC236}">
-                <a16:creationId xmlns:a16="http://schemas.microsoft.com/office/drawing/2014/main" id="{65D4C1DD-1FC1-4549-8625-4B173DCEC529}"/>
+          <p:cNvPr id="5" name="Picture 4">
+            <a:extLst>
+              <a:ext uri="{FF2B5EF4-FFF2-40B4-BE49-F238E27FC236}">
+                <a16:creationId xmlns:a16="http://schemas.microsoft.com/office/drawing/2014/main" id="{0C2F1F05-7762-428C-B141-4D330F77C9C9}"/>
               </a:ext>
             </a:extLst>
           </p:cNvPr>
           <p:cNvPicPr>
-            <a:picLocks noChangeAspect="1" noChangeArrowheads="1"/>
+            <a:picLocks noChangeAspect="1"/>
           </p:cNvPicPr>
           <p:nvPr/>
         </p:nvPicPr>
@@ -5146,37 +7534,26 @@
               </a:ext>
             </a:extLst>
           </a:blip>
-          <a:srcRect/>
           <a:stretch>
             <a:fillRect/>
           </a:stretch>
         </p:blipFill>
-        <p:spPr bwMode="auto">
+        <p:spPr>
           <a:xfrm>
-            <a:off x="5419725" y="2445541"/>
-            <a:ext cx="3674270" cy="3674270"/>
+            <a:off x="-1" y="1303505"/>
+            <a:ext cx="4931923" cy="4931923"/>
           </a:xfrm>
           <a:prstGeom prst="rect">
             <a:avLst/>
           </a:prstGeom>
-          <a:noFill/>
-          <a:extLst>
-            <a:ext uri="{909E8E84-426E-40DD-AFC4-6F175D3DCCD1}">
-              <a14:hiddenFill xmlns:a14="http://schemas.microsoft.com/office/drawing/2010/main">
-                <a:solidFill>
-                  <a:srgbClr val="FFFFFF"/>
-                </a:solidFill>
-              </a14:hiddenFill>
-            </a:ext>
-          </a:extLst>
         </p:spPr>
       </p:pic>
       <p:sp>
         <p:nvSpPr>
-          <p:cNvPr id="4" name="TextBox 3">
-            <a:extLst>
-              <a:ext uri="{FF2B5EF4-FFF2-40B4-BE49-F238E27FC236}">
-                <a16:creationId xmlns:a16="http://schemas.microsoft.com/office/drawing/2014/main" id="{B87D0154-CD13-40F5-BA65-C87BD3C4D098}"/>
+          <p:cNvPr id="11" name="TextBox 10">
+            <a:extLst>
+              <a:ext uri="{FF2B5EF4-FFF2-40B4-BE49-F238E27FC236}">
+                <a16:creationId xmlns:a16="http://schemas.microsoft.com/office/drawing/2014/main" id="{EDFCCC45-3800-4792-A046-E39F6FC07576}"/>
               </a:ext>
             </a:extLst>
           </p:cNvPr>
@@ -5185,8 +7562,8 @@
         </p:nvSpPr>
         <p:spPr>
           <a:xfrm>
-            <a:off x="621506" y="2185988"/>
-            <a:ext cx="3236119" cy="2862322"/>
+            <a:off x="6096000" y="2665379"/>
+            <a:ext cx="2147576" cy="1477328"/>
           </a:xfrm>
           <a:prstGeom prst="rect">
             <a:avLst/>
@@ -5194,22 +7571,26 @@
           <a:noFill/>
         </p:spPr>
         <p:txBody>
-          <a:bodyPr wrap="square" rtlCol="0">
+          <a:bodyPr wrap="none" rtlCol="0">
             <a:spAutoFit/>
           </a:bodyPr>
           <a:lstStyle/>
           <a:p>
             <a:r>
               <a:rPr lang="en-US" dirty="0"/>
-              <a:t>This part has 4 instrumentation amplifiers and a high resolution </a:t>
-            </a:r>
-            <a:r>
-              <a:rPr lang="en-US" dirty="0" err="1"/>
-              <a:t>a/d</a:t>
-            </a:r>
-            <a:r>
-              <a:rPr lang="en-US" dirty="0"/>
-              <a:t> up to 18 bits.  Also, the part has 4 DACS. Use this part when instrumentation situations arise.</a:t>
+              <a:t>I start with $40 r</a:t>
+            </a:r>
+          </a:p>
+          <a:p>
+            <a:r>
+              <a:rPr lang="en-US" dirty="0"/>
+              <a:t>Outdoor load center </a:t>
+            </a:r>
+          </a:p>
+          <a:p>
+            <a:r>
+              <a:rPr lang="en-US" dirty="0"/>
+              <a:t>From home depot</a:t>
             </a:r>
           </a:p>
           <a:p>
@@ -5218,18 +7599,15 @@
           <a:p>
             <a:r>
               <a:rPr lang="en-US" dirty="0"/>
-              <a:t>The price of the part is $15.00 from Digi Key and $9.20 from Arrow.</a:t>
-            </a:r>
-          </a:p>
-          <a:p>
-            <a:endParaRPr lang="en-US" dirty="0"/>
+              <a:t>Remove the insides</a:t>
+            </a:r>
           </a:p>
         </p:txBody>
       </p:sp>
     </p:spTree>
     <p:extLst>
       <p:ext uri="{BB962C8B-B14F-4D97-AF65-F5344CB8AC3E}">
-        <p14:creationId xmlns:p14="http://schemas.microsoft.com/office/powerpoint/2010/main" val="3901192488"/>
+        <p14:creationId xmlns:p14="http://schemas.microsoft.com/office/powerpoint/2010/main" val="3169166674"/>
       </p:ext>
     </p:extLst>
   </p:cSld>

--- a/presentations/session_1/Embedded Track #1.pptx
+++ b/presentations/session_1/Embedded Track #1.pptx
@@ -21,8 +21,8 @@
     <p:sldId id="262" r:id="rId15"/>
     <p:sldId id="275" r:id="rId16"/>
     <p:sldId id="276" r:id="rId17"/>
-    <p:sldId id="277" r:id="rId18"/>
-    <p:sldId id="280" r:id="rId19"/>
+    <p:sldId id="280" r:id="rId18"/>
+    <p:sldId id="277" r:id="rId19"/>
     <p:sldId id="263" r:id="rId20"/>
     <p:sldId id="264" r:id="rId21"/>
     <p:sldId id="265" r:id="rId22"/>
@@ -286,7 +286,7 @@
           <a:p>
             <a:fld id="{5676FF3A-9FFC-4CB7-AB87-E8A216B43361}" type="datetimeFigureOut">
               <a:rPr lang="en-US" smtClean="0"/>
-              <a:t>2/4/2018</a:t>
+              <a:t>2/6/2018</a:t>
             </a:fld>
             <a:endParaRPr lang="en-US"/>
           </a:p>
@@ -484,7 +484,7 @@
           <a:p>
             <a:fld id="{5676FF3A-9FFC-4CB7-AB87-E8A216B43361}" type="datetimeFigureOut">
               <a:rPr lang="en-US" smtClean="0"/>
-              <a:t>2/4/2018</a:t>
+              <a:t>2/6/2018</a:t>
             </a:fld>
             <a:endParaRPr lang="en-US"/>
           </a:p>
@@ -692,7 +692,7 @@
           <a:p>
             <a:fld id="{5676FF3A-9FFC-4CB7-AB87-E8A216B43361}" type="datetimeFigureOut">
               <a:rPr lang="en-US" smtClean="0"/>
-              <a:t>2/4/2018</a:t>
+              <a:t>2/6/2018</a:t>
             </a:fld>
             <a:endParaRPr lang="en-US"/>
           </a:p>
@@ -890,7 +890,7 @@
           <a:p>
             <a:fld id="{5676FF3A-9FFC-4CB7-AB87-E8A216B43361}" type="datetimeFigureOut">
               <a:rPr lang="en-US" smtClean="0"/>
-              <a:t>2/4/2018</a:t>
+              <a:t>2/6/2018</a:t>
             </a:fld>
             <a:endParaRPr lang="en-US"/>
           </a:p>
@@ -1165,7 +1165,7 @@
           <a:p>
             <a:fld id="{5676FF3A-9FFC-4CB7-AB87-E8A216B43361}" type="datetimeFigureOut">
               <a:rPr lang="en-US" smtClean="0"/>
-              <a:t>2/4/2018</a:t>
+              <a:t>2/6/2018</a:t>
             </a:fld>
             <a:endParaRPr lang="en-US"/>
           </a:p>
@@ -1430,7 +1430,7 @@
           <a:p>
             <a:fld id="{5676FF3A-9FFC-4CB7-AB87-E8A216B43361}" type="datetimeFigureOut">
               <a:rPr lang="en-US" smtClean="0"/>
-              <a:t>2/4/2018</a:t>
+              <a:t>2/6/2018</a:t>
             </a:fld>
             <a:endParaRPr lang="en-US"/>
           </a:p>
@@ -1842,7 +1842,7 @@
           <a:p>
             <a:fld id="{5676FF3A-9FFC-4CB7-AB87-E8A216B43361}" type="datetimeFigureOut">
               <a:rPr lang="en-US" smtClean="0"/>
-              <a:t>2/4/2018</a:t>
+              <a:t>2/6/2018</a:t>
             </a:fld>
             <a:endParaRPr lang="en-US"/>
           </a:p>
@@ -1983,7 +1983,7 @@
           <a:p>
             <a:fld id="{5676FF3A-9FFC-4CB7-AB87-E8A216B43361}" type="datetimeFigureOut">
               <a:rPr lang="en-US" smtClean="0"/>
-              <a:t>2/4/2018</a:t>
+              <a:t>2/6/2018</a:t>
             </a:fld>
             <a:endParaRPr lang="en-US"/>
           </a:p>
@@ -2096,7 +2096,7 @@
           <a:p>
             <a:fld id="{5676FF3A-9FFC-4CB7-AB87-E8A216B43361}" type="datetimeFigureOut">
               <a:rPr lang="en-US" smtClean="0"/>
-              <a:t>2/4/2018</a:t>
+              <a:t>2/6/2018</a:t>
             </a:fld>
             <a:endParaRPr lang="en-US"/>
           </a:p>
@@ -2407,7 +2407,7 @@
           <a:p>
             <a:fld id="{5676FF3A-9FFC-4CB7-AB87-E8A216B43361}" type="datetimeFigureOut">
               <a:rPr lang="en-US" smtClean="0"/>
-              <a:t>2/4/2018</a:t>
+              <a:t>2/6/2018</a:t>
             </a:fld>
             <a:endParaRPr lang="en-US"/>
           </a:p>
@@ -2695,7 +2695,7 @@
           <a:p>
             <a:fld id="{5676FF3A-9FFC-4CB7-AB87-E8A216B43361}" type="datetimeFigureOut">
               <a:rPr lang="en-US" smtClean="0"/>
-              <a:t>2/4/2018</a:t>
+              <a:t>2/6/2018</a:t>
             </a:fld>
             <a:endParaRPr lang="en-US"/>
           </a:p>
@@ -2936,7 +2936,7 @@
           <a:p>
             <a:fld id="{5676FF3A-9FFC-4CB7-AB87-E8A216B43361}" type="datetimeFigureOut">
               <a:rPr lang="en-US" smtClean="0"/>
-              <a:t>2/4/2018</a:t>
+              <a:t>2/6/2018</a:t>
             </a:fld>
             <a:endParaRPr lang="en-US"/>
           </a:p>
@@ -4104,7 +4104,7 @@
             <a:pPr lvl="2"/>
             <a:r>
               <a:rPr lang="en-US" dirty="0"/>
-              <a:t>PLC’s go from $80 to $200 range.</a:t>
+              <a:t>PLC’s go from $120 to $200 range.</a:t>
             </a:r>
           </a:p>
           <a:p>
@@ -4440,7 +4440,7 @@
           <a:p>
             <a:r>
               <a:rPr lang="en-US" dirty="0"/>
-              <a:t>Cannot Deploy Solderless </a:t>
+              <a:t>Cannot Deploy Solderless Bread Boards </a:t>
             </a:r>
             <a:br>
               <a:rPr lang="en-US" dirty="0"/>
@@ -4562,7 +4562,7 @@
           <p:cNvPr id="2" name="Title 1">
             <a:extLst>
               <a:ext uri="{FF2B5EF4-FFF2-40B4-BE49-F238E27FC236}">
-                <a16:creationId xmlns:a16="http://schemas.microsoft.com/office/drawing/2014/main" id="{21E0BCDB-58EA-4C37-B456-1A7F2B51EA91}"/>
+                <a16:creationId xmlns:a16="http://schemas.microsoft.com/office/drawing/2014/main" id="{2E0186A1-D776-443F-A9F0-E7117D793F08}"/>
               </a:ext>
             </a:extLst>
           </p:cNvPr>
@@ -4580,7 +4580,7 @@
           <a:p>
             <a:r>
               <a:rPr lang="en-US" dirty="0"/>
-              <a:t>Criteria for selecting processors</a:t>
+              <a:t>PCB boards can be produced with vendor supplied tools.</a:t>
             </a:r>
           </a:p>
         </p:txBody>
@@ -4590,7 +4590,7 @@
           <p:cNvPr id="3" name="Content Placeholder 2">
             <a:extLst>
               <a:ext uri="{FF2B5EF4-FFF2-40B4-BE49-F238E27FC236}">
-                <a16:creationId xmlns:a16="http://schemas.microsoft.com/office/drawing/2014/main" id="{7BE2A9FA-9570-4555-A10F-BB3096589EDA}"/>
+                <a16:creationId xmlns:a16="http://schemas.microsoft.com/office/drawing/2014/main" id="{F7A21148-4BBD-4D88-940A-A0C94522B695}"/>
               </a:ext>
             </a:extLst>
           </p:cNvPr>
@@ -4607,27 +4607,56 @@
           <a:lstStyle/>
           <a:p>
             <a:r>
-              <a:rPr lang="en-US" dirty="0"/>
-              <a:t>Processors which we use must be prototyping boards</a:t>
+              <a:rPr lang="en-US" dirty="0" err="1"/>
+              <a:t>ExpressPCB</a:t>
+            </a:r>
+            <a:r>
+              <a:rPr lang="en-US" dirty="0"/>
+              <a:t> offers 4 layer boards 3.8”X2.5” for $30.00</a:t>
+            </a:r>
+          </a:p>
+          <a:p>
+            <a:endParaRPr lang="en-US" dirty="0"/>
+          </a:p>
+          <a:p>
+            <a:r>
+              <a:rPr lang="en-US" dirty="0"/>
+              <a:t>Just a thought</a:t>
             </a:r>
           </a:p>
           <a:p>
             <a:pPr lvl="1"/>
             <a:r>
               <a:rPr lang="en-US" dirty="0"/>
-              <a:t>Cannot afford to construct a custom board</a:t>
-            </a:r>
-          </a:p>
-          <a:p>
-            <a:r>
-              <a:rPr lang="en-US" dirty="0"/>
-              <a:t>Prototype processor boards must fit into prototyping boards.</a:t>
-            </a:r>
-          </a:p>
-          <a:p>
-            <a:r>
-              <a:rPr lang="en-US" dirty="0"/>
-              <a:t>Two such processors are shown in the next pages/</a:t>
+              <a:t>For the Parent Maker Space</a:t>
+            </a:r>
+          </a:p>
+          <a:p>
+            <a:pPr lvl="1"/>
+            <a:r>
+              <a:rPr lang="en-US" dirty="0"/>
+              <a:t>Expand the “How To Solder Class” to addition classes</a:t>
+            </a:r>
+          </a:p>
+          <a:p>
+            <a:pPr lvl="2"/>
+            <a:r>
+              <a:rPr lang="en-US" dirty="0"/>
+              <a:t>How to use solderless bread boards</a:t>
+            </a:r>
+          </a:p>
+          <a:p>
+            <a:pPr lvl="2"/>
+            <a:r>
+              <a:rPr lang="en-US" dirty="0"/>
+              <a:t>How to use solder bread boards</a:t>
+            </a:r>
+          </a:p>
+          <a:p>
+            <a:pPr lvl="2"/>
+            <a:r>
+              <a:rPr lang="en-US" dirty="0"/>
+              <a:t>How to make PCB’s out of solder bread boards</a:t>
             </a:r>
           </a:p>
         </p:txBody>
@@ -4635,7 +4664,7 @@
     </p:spTree>
     <p:extLst>
       <p:ext uri="{BB962C8B-B14F-4D97-AF65-F5344CB8AC3E}">
-        <p14:creationId xmlns:p14="http://schemas.microsoft.com/office/powerpoint/2010/main" val="2958512134"/>
+        <p14:creationId xmlns:p14="http://schemas.microsoft.com/office/powerpoint/2010/main" val="36799427"/>
       </p:ext>
     </p:extLst>
   </p:cSld>
@@ -4667,7 +4696,7 @@
           <p:cNvPr id="2" name="Title 1">
             <a:extLst>
               <a:ext uri="{FF2B5EF4-FFF2-40B4-BE49-F238E27FC236}">
-                <a16:creationId xmlns:a16="http://schemas.microsoft.com/office/drawing/2014/main" id="{2E0186A1-D776-443F-A9F0-E7117D793F08}"/>
+                <a16:creationId xmlns:a16="http://schemas.microsoft.com/office/drawing/2014/main" id="{21E0BCDB-58EA-4C37-B456-1A7F2B51EA91}"/>
               </a:ext>
             </a:extLst>
           </p:cNvPr>
@@ -4685,7 +4714,7 @@
           <a:p>
             <a:r>
               <a:rPr lang="en-US" dirty="0"/>
-              <a:t>PCB boards can be produced with vendor supplied tools.</a:t>
+              <a:t>Criteria for selecting processors</a:t>
             </a:r>
           </a:p>
         </p:txBody>
@@ -4695,7 +4724,7 @@
           <p:cNvPr id="3" name="Content Placeholder 2">
             <a:extLst>
               <a:ext uri="{FF2B5EF4-FFF2-40B4-BE49-F238E27FC236}">
-                <a16:creationId xmlns:a16="http://schemas.microsoft.com/office/drawing/2014/main" id="{F7A21148-4BBD-4D88-940A-A0C94522B695}"/>
+                <a16:creationId xmlns:a16="http://schemas.microsoft.com/office/drawing/2014/main" id="{7BE2A9FA-9570-4555-A10F-BB3096589EDA}"/>
               </a:ext>
             </a:extLst>
           </p:cNvPr>
@@ -4712,12 +4741,27 @@
           <a:lstStyle/>
           <a:p>
             <a:r>
-              <a:rPr lang="en-US" dirty="0" err="1"/>
-              <a:t>ExpressPCB</a:t>
-            </a:r>
-            <a:r>
-              <a:rPr lang="en-US" dirty="0"/>
-              <a:t> offers 4 layer boards 3.8”X2.5” for $30.00</a:t>
+              <a:rPr lang="en-US" dirty="0"/>
+              <a:t>Processors which we use must be prototyping boards</a:t>
+            </a:r>
+          </a:p>
+          <a:p>
+            <a:pPr lvl="1"/>
+            <a:r>
+              <a:rPr lang="en-US" dirty="0"/>
+              <a:t>Cannot afford to construct a custom board</a:t>
+            </a:r>
+          </a:p>
+          <a:p>
+            <a:r>
+              <a:rPr lang="en-US" dirty="0"/>
+              <a:t>Prototype processor boards must fit into prototyping boards.</a:t>
+            </a:r>
+          </a:p>
+          <a:p>
+            <a:r>
+              <a:rPr lang="en-US" dirty="0"/>
+              <a:t>Two such processors are shown in the next pages/</a:t>
             </a:r>
           </a:p>
         </p:txBody>
@@ -4725,7 +4769,7 @@
     </p:spTree>
     <p:extLst>
       <p:ext uri="{BB962C8B-B14F-4D97-AF65-F5344CB8AC3E}">
-        <p14:creationId xmlns:p14="http://schemas.microsoft.com/office/powerpoint/2010/main" val="36799427"/>
+        <p14:creationId xmlns:p14="http://schemas.microsoft.com/office/powerpoint/2010/main" val="2958512134"/>
       </p:ext>
     </p:extLst>
   </p:cSld>
@@ -6290,7 +6334,7 @@
         <p:spPr/>
         <p:txBody>
           <a:bodyPr>
-            <a:normAutofit lnSpcReduction="10000"/>
+            <a:normAutofit fontScale="92500" lnSpcReduction="20000"/>
           </a:bodyPr>
           <a:lstStyle/>
           <a:p>
@@ -6343,6 +6387,13 @@
             <a:pPr lvl="2"/>
             <a:r>
               <a:rPr lang="en-US" dirty="0"/>
+              <a:t>USB Oscilloscope</a:t>
+            </a:r>
+          </a:p>
+          <a:p>
+            <a:pPr lvl="2"/>
+            <a:r>
+              <a:rPr lang="en-US" dirty="0"/>
               <a:t>Low cost soldering station</a:t>
             </a:r>
           </a:p>
@@ -6356,12 +6407,8 @@
           <a:p>
             <a:pPr lvl="2"/>
             <a:r>
-              <a:rPr lang="en-US" dirty="0" err="1"/>
-              <a:t>Misc</a:t>
-            </a:r>
-            <a:r>
-              <a:rPr lang="en-US" dirty="0"/>
-              <a:t> mechanical tools</a:t>
+              <a:rPr lang="en-US" dirty="0"/>
+              <a:t>Misc. mechanical tools</a:t>
             </a:r>
           </a:p>
           <a:p>
@@ -6369,6 +6416,13 @@
             <a:r>
               <a:rPr lang="en-US" dirty="0"/>
               <a:t>Need Skilled Assemblers and Technicians</a:t>
+            </a:r>
+          </a:p>
+          <a:p>
+            <a:pPr lvl="2"/>
+            <a:r>
+              <a:rPr lang="en-US" dirty="0"/>
+              <a:t>Train Software People?</a:t>
             </a:r>
           </a:p>
         </p:txBody>
@@ -6426,7 +6480,7 @@
           <a:p>
             <a:r>
               <a:rPr lang="en-US" dirty="0"/>
-              <a:t>SCADA, (PLC) is one Solution</a:t>
+              <a:t>SCADA, (PLC) is one Solution, where</a:t>
             </a:r>
             <a:br>
               <a:rPr lang="en-US" dirty="0"/>
@@ -6952,7 +7006,7 @@
           <a:p>
             <a:r>
               <a:rPr lang="en-US" dirty="0"/>
-              <a:t>SCADA</a:t>
+              <a:t>SCADA Software</a:t>
             </a:r>
           </a:p>
         </p:txBody>
@@ -7578,7 +7632,7 @@
           <a:p>
             <a:r>
               <a:rPr lang="en-US" dirty="0"/>
-              <a:t>I start with $40 r</a:t>
+              <a:t>I start with $40</a:t>
             </a:r>
           </a:p>
           <a:p>
